--- a/document/算法演示图/03Queue/Queue.pptx
+++ b/document/算法演示图/03Queue/Queue.pptx
@@ -201,7 +201,7 @@
           <a:p>
             <a:fld id="{069F6A5D-7071-4BBD-ABFA-3BC2EFE3B7E8}" type="datetimeFigureOut">
               <a:rPr lang="zh-CN" altLang="en-US" smtClean="0"/>
-              <a:t>2022/10/26</a:t>
+              <a:t>2022/10/27</a:t>
             </a:fld>
             <a:endParaRPr lang="zh-CN" altLang="en-US"/>
           </a:p>
@@ -951,7 +951,7 @@
           <a:p>
             <a:fld id="{4738DF8C-AB66-46F2-B889-519B6EBDEA58}" type="datetimeFigureOut">
               <a:rPr lang="zh-CN" altLang="en-US" smtClean="0"/>
-              <a:t>2022/10/26</a:t>
+              <a:t>2022/10/27</a:t>
             </a:fld>
             <a:endParaRPr lang="zh-CN" altLang="en-US"/>
           </a:p>
@@ -1149,7 +1149,7 @@
           <a:p>
             <a:fld id="{4738DF8C-AB66-46F2-B889-519B6EBDEA58}" type="datetimeFigureOut">
               <a:rPr lang="zh-CN" altLang="en-US" smtClean="0"/>
-              <a:t>2022/10/26</a:t>
+              <a:t>2022/10/27</a:t>
             </a:fld>
             <a:endParaRPr lang="zh-CN" altLang="en-US"/>
           </a:p>
@@ -1357,7 +1357,7 @@
           <a:p>
             <a:fld id="{4738DF8C-AB66-46F2-B889-519B6EBDEA58}" type="datetimeFigureOut">
               <a:rPr lang="zh-CN" altLang="en-US" smtClean="0"/>
-              <a:t>2022/10/26</a:t>
+              <a:t>2022/10/27</a:t>
             </a:fld>
             <a:endParaRPr lang="zh-CN" altLang="en-US"/>
           </a:p>
@@ -1555,7 +1555,7 @@
           <a:p>
             <a:fld id="{4738DF8C-AB66-46F2-B889-519B6EBDEA58}" type="datetimeFigureOut">
               <a:rPr lang="zh-CN" altLang="en-US" smtClean="0"/>
-              <a:t>2022/10/26</a:t>
+              <a:t>2022/10/27</a:t>
             </a:fld>
             <a:endParaRPr lang="zh-CN" altLang="en-US"/>
           </a:p>
@@ -1830,7 +1830,7 @@
           <a:p>
             <a:fld id="{4738DF8C-AB66-46F2-B889-519B6EBDEA58}" type="datetimeFigureOut">
               <a:rPr lang="zh-CN" altLang="en-US" smtClean="0"/>
-              <a:t>2022/10/26</a:t>
+              <a:t>2022/10/27</a:t>
             </a:fld>
             <a:endParaRPr lang="zh-CN" altLang="en-US"/>
           </a:p>
@@ -2095,7 +2095,7 @@
           <a:p>
             <a:fld id="{4738DF8C-AB66-46F2-B889-519B6EBDEA58}" type="datetimeFigureOut">
               <a:rPr lang="zh-CN" altLang="en-US" smtClean="0"/>
-              <a:t>2022/10/26</a:t>
+              <a:t>2022/10/27</a:t>
             </a:fld>
             <a:endParaRPr lang="zh-CN" altLang="en-US"/>
           </a:p>
@@ -2507,7 +2507,7 @@
           <a:p>
             <a:fld id="{4738DF8C-AB66-46F2-B889-519B6EBDEA58}" type="datetimeFigureOut">
               <a:rPr lang="zh-CN" altLang="en-US" smtClean="0"/>
-              <a:t>2022/10/26</a:t>
+              <a:t>2022/10/27</a:t>
             </a:fld>
             <a:endParaRPr lang="zh-CN" altLang="en-US"/>
           </a:p>
@@ -2648,7 +2648,7 @@
           <a:p>
             <a:fld id="{4738DF8C-AB66-46F2-B889-519B6EBDEA58}" type="datetimeFigureOut">
               <a:rPr lang="zh-CN" altLang="en-US" smtClean="0"/>
-              <a:t>2022/10/26</a:t>
+              <a:t>2022/10/27</a:t>
             </a:fld>
             <a:endParaRPr lang="zh-CN" altLang="en-US"/>
           </a:p>
@@ -2761,7 +2761,7 @@
           <a:p>
             <a:fld id="{4738DF8C-AB66-46F2-B889-519B6EBDEA58}" type="datetimeFigureOut">
               <a:rPr lang="zh-CN" altLang="en-US" smtClean="0"/>
-              <a:t>2022/10/26</a:t>
+              <a:t>2022/10/27</a:t>
             </a:fld>
             <a:endParaRPr lang="zh-CN" altLang="en-US"/>
           </a:p>
@@ -3072,7 +3072,7 @@
           <a:p>
             <a:fld id="{4738DF8C-AB66-46F2-B889-519B6EBDEA58}" type="datetimeFigureOut">
               <a:rPr lang="zh-CN" altLang="en-US" smtClean="0"/>
-              <a:t>2022/10/26</a:t>
+              <a:t>2022/10/27</a:t>
             </a:fld>
             <a:endParaRPr lang="zh-CN" altLang="en-US"/>
           </a:p>
@@ -3360,7 +3360,7 @@
           <a:p>
             <a:fld id="{4738DF8C-AB66-46F2-B889-519B6EBDEA58}" type="datetimeFigureOut">
               <a:rPr lang="zh-CN" altLang="en-US" smtClean="0"/>
-              <a:t>2022/10/26</a:t>
+              <a:t>2022/10/27</a:t>
             </a:fld>
             <a:endParaRPr lang="zh-CN" altLang="en-US"/>
           </a:p>
@@ -3601,7 +3601,7 @@
           <a:p>
             <a:fld id="{4738DF8C-AB66-46F2-B889-519B6EBDEA58}" type="datetimeFigureOut">
               <a:rPr lang="zh-CN" altLang="en-US" smtClean="0"/>
-              <a:t>2022/10/26</a:t>
+              <a:t>2022/10/27</a:t>
             </a:fld>
             <a:endParaRPr lang="zh-CN" altLang="en-US"/>
           </a:p>
@@ -5025,7 +5025,7 @@
           <p:nvPr>
             <p:extLst>
               <p:ext uri="{D42A27DB-BD31-4B8C-83A1-F6EECF244321}">
-                <p14:modId xmlns:p14="http://schemas.microsoft.com/office/powerpoint/2010/main" val="2752682459"/>
+                <p14:modId xmlns:p14="http://schemas.microsoft.com/office/powerpoint/2010/main" val="1854965437"/>
               </p:ext>
             </p:extLst>
           </p:nvPr>
@@ -5191,7 +5191,11 @@
                     <a:lstStyle/>
                     <a:p>
                       <a:pPr algn="ctr"/>
-                      <a:endParaRPr lang="zh-CN" altLang="en-US" dirty="0"/>
+                      <a:r>
+                        <a:rPr lang="en-US" altLang="zh-CN" b="1" dirty="0"/>
+                        <a:t>5</a:t>
+                      </a:r>
+                      <a:endParaRPr lang="zh-CN" altLang="en-US" b="1" dirty="0"/>
                     </a:p>
                   </a:txBody>
                   <a:tcPr>
@@ -5312,7 +5316,11 @@
                     <a:lstStyle/>
                     <a:p>
                       <a:pPr algn="ctr"/>
-                      <a:endParaRPr lang="zh-CN" altLang="en-US" dirty="0"/>
+                      <a:r>
+                        <a:rPr lang="en-US" altLang="zh-CN" b="1" dirty="0"/>
+                        <a:t>4</a:t>
+                      </a:r>
+                      <a:endParaRPr lang="zh-CN" altLang="en-US" b="1" dirty="0"/>
                     </a:p>
                   </a:txBody>
                   <a:tcPr>
@@ -5434,10 +5442,10 @@
                     <a:p>
                       <a:pPr algn="ctr"/>
                       <a:r>
-                        <a:rPr lang="en-US" altLang="zh-CN" dirty="0"/>
+                        <a:rPr lang="en-US" altLang="zh-CN" b="1" dirty="0"/>
                         <a:t>3</a:t>
                       </a:r>
-                      <a:endParaRPr lang="zh-CN" altLang="en-US" dirty="0"/>
+                      <a:endParaRPr lang="zh-CN" altLang="en-US" b="1" dirty="0"/>
                     </a:p>
                   </a:txBody>
                   <a:tcPr>
@@ -5559,10 +5567,10 @@
                     <a:p>
                       <a:pPr algn="ctr"/>
                       <a:r>
-                        <a:rPr lang="en-US" altLang="zh-CN" dirty="0"/>
+                        <a:rPr lang="en-US" altLang="zh-CN" b="1" dirty="0"/>
                         <a:t>2</a:t>
                       </a:r>
-                      <a:endParaRPr lang="zh-CN" altLang="en-US" dirty="0"/>
+                      <a:endParaRPr lang="zh-CN" altLang="en-US" b="1" dirty="0"/>
                     </a:p>
                   </a:txBody>
                   <a:tcPr>
@@ -5915,7 +5923,7 @@
         </p:nvCxnSpPr>
         <p:spPr>
           <a:xfrm flipH="1">
-            <a:off x="4240891" y="3057640"/>
+            <a:off x="4335234" y="1990839"/>
             <a:ext cx="1023258" cy="0"/>
           </a:xfrm>
           <a:prstGeom prst="straightConnector1">
@@ -5957,7 +5965,7 @@
         </p:nvSpPr>
         <p:spPr>
           <a:xfrm>
-            <a:off x="5677809" y="2826807"/>
+            <a:off x="5473247" y="1760007"/>
             <a:ext cx="457199" cy="461665"/>
           </a:xfrm>
           <a:prstGeom prst="rect">

--- a/document/算法演示图/03Queue/Queue.pptx
+++ b/document/算法演示图/03Queue/Queue.pptx
@@ -5,7 +5,7 @@
     <p:sldMasterId id="2147483648" r:id="rId1"/>
   </p:sldMasterIdLst>
   <p:notesMasterIdLst>
-    <p:notesMasterId r:id="rId7"/>
+    <p:notesMasterId r:id="rId9"/>
   </p:notesMasterIdLst>
   <p:sldIdLst>
     <p:sldId id="257" r:id="rId2"/>
@@ -13,6 +13,8 @@
     <p:sldId id="259" r:id="rId4"/>
     <p:sldId id="260" r:id="rId5"/>
     <p:sldId id="256" r:id="rId6"/>
+    <p:sldId id="261" r:id="rId7"/>
+    <p:sldId id="262" r:id="rId8"/>
   </p:sldIdLst>
   <p:sldSz cx="12192000" cy="6858000"/>
   <p:notesSz cx="6858000" cy="9144000"/>
@@ -201,7 +203,7 @@
           <a:p>
             <a:fld id="{069F6A5D-7071-4BBD-ABFA-3BC2EFE3B7E8}" type="datetimeFigureOut">
               <a:rPr lang="zh-CN" altLang="en-US" smtClean="0"/>
-              <a:t>2022/10/27</a:t>
+              <a:t>2022/10/30</a:t>
             </a:fld>
             <a:endParaRPr lang="zh-CN" altLang="en-US"/>
           </a:p>
@@ -951,7 +953,7 @@
           <a:p>
             <a:fld id="{4738DF8C-AB66-46F2-B889-519B6EBDEA58}" type="datetimeFigureOut">
               <a:rPr lang="zh-CN" altLang="en-US" smtClean="0"/>
-              <a:t>2022/10/27</a:t>
+              <a:t>2022/10/30</a:t>
             </a:fld>
             <a:endParaRPr lang="zh-CN" altLang="en-US"/>
           </a:p>
@@ -1149,7 +1151,7 @@
           <a:p>
             <a:fld id="{4738DF8C-AB66-46F2-B889-519B6EBDEA58}" type="datetimeFigureOut">
               <a:rPr lang="zh-CN" altLang="en-US" smtClean="0"/>
-              <a:t>2022/10/27</a:t>
+              <a:t>2022/10/30</a:t>
             </a:fld>
             <a:endParaRPr lang="zh-CN" altLang="en-US"/>
           </a:p>
@@ -1357,7 +1359,7 @@
           <a:p>
             <a:fld id="{4738DF8C-AB66-46F2-B889-519B6EBDEA58}" type="datetimeFigureOut">
               <a:rPr lang="zh-CN" altLang="en-US" smtClean="0"/>
-              <a:t>2022/10/27</a:t>
+              <a:t>2022/10/30</a:t>
             </a:fld>
             <a:endParaRPr lang="zh-CN" altLang="en-US"/>
           </a:p>
@@ -1555,7 +1557,7 @@
           <a:p>
             <a:fld id="{4738DF8C-AB66-46F2-B889-519B6EBDEA58}" type="datetimeFigureOut">
               <a:rPr lang="zh-CN" altLang="en-US" smtClean="0"/>
-              <a:t>2022/10/27</a:t>
+              <a:t>2022/10/30</a:t>
             </a:fld>
             <a:endParaRPr lang="zh-CN" altLang="en-US"/>
           </a:p>
@@ -1830,7 +1832,7 @@
           <a:p>
             <a:fld id="{4738DF8C-AB66-46F2-B889-519B6EBDEA58}" type="datetimeFigureOut">
               <a:rPr lang="zh-CN" altLang="en-US" smtClean="0"/>
-              <a:t>2022/10/27</a:t>
+              <a:t>2022/10/30</a:t>
             </a:fld>
             <a:endParaRPr lang="zh-CN" altLang="en-US"/>
           </a:p>
@@ -2095,7 +2097,7 @@
           <a:p>
             <a:fld id="{4738DF8C-AB66-46F2-B889-519B6EBDEA58}" type="datetimeFigureOut">
               <a:rPr lang="zh-CN" altLang="en-US" smtClean="0"/>
-              <a:t>2022/10/27</a:t>
+              <a:t>2022/10/30</a:t>
             </a:fld>
             <a:endParaRPr lang="zh-CN" altLang="en-US"/>
           </a:p>
@@ -2507,7 +2509,7 @@
           <a:p>
             <a:fld id="{4738DF8C-AB66-46F2-B889-519B6EBDEA58}" type="datetimeFigureOut">
               <a:rPr lang="zh-CN" altLang="en-US" smtClean="0"/>
-              <a:t>2022/10/27</a:t>
+              <a:t>2022/10/30</a:t>
             </a:fld>
             <a:endParaRPr lang="zh-CN" altLang="en-US"/>
           </a:p>
@@ -2648,7 +2650,7 @@
           <a:p>
             <a:fld id="{4738DF8C-AB66-46F2-B889-519B6EBDEA58}" type="datetimeFigureOut">
               <a:rPr lang="zh-CN" altLang="en-US" smtClean="0"/>
-              <a:t>2022/10/27</a:t>
+              <a:t>2022/10/30</a:t>
             </a:fld>
             <a:endParaRPr lang="zh-CN" altLang="en-US"/>
           </a:p>
@@ -2761,7 +2763,7 @@
           <a:p>
             <a:fld id="{4738DF8C-AB66-46F2-B889-519B6EBDEA58}" type="datetimeFigureOut">
               <a:rPr lang="zh-CN" altLang="en-US" smtClean="0"/>
-              <a:t>2022/10/27</a:t>
+              <a:t>2022/10/30</a:t>
             </a:fld>
             <a:endParaRPr lang="zh-CN" altLang="en-US"/>
           </a:p>
@@ -3072,7 +3074,7 @@
           <a:p>
             <a:fld id="{4738DF8C-AB66-46F2-B889-519B6EBDEA58}" type="datetimeFigureOut">
               <a:rPr lang="zh-CN" altLang="en-US" smtClean="0"/>
-              <a:t>2022/10/27</a:t>
+              <a:t>2022/10/30</a:t>
             </a:fld>
             <a:endParaRPr lang="zh-CN" altLang="en-US"/>
           </a:p>
@@ -3360,7 +3362,7 @@
           <a:p>
             <a:fld id="{4738DF8C-AB66-46F2-B889-519B6EBDEA58}" type="datetimeFigureOut">
               <a:rPr lang="zh-CN" altLang="en-US" smtClean="0"/>
-              <a:t>2022/10/27</a:t>
+              <a:t>2022/10/30</a:t>
             </a:fld>
             <a:endParaRPr lang="zh-CN" altLang="en-US"/>
           </a:p>
@@ -3601,7 +3603,7 @@
           <a:p>
             <a:fld id="{4738DF8C-AB66-46F2-B889-519B6EBDEA58}" type="datetimeFigureOut">
               <a:rPr lang="zh-CN" altLang="en-US" smtClean="0"/>
-              <a:t>2022/10/27</a:t>
+              <a:t>2022/10/30</a:t>
             </a:fld>
             <a:endParaRPr lang="zh-CN" altLang="en-US"/>
           </a:p>
@@ -10442,6 +10444,1622 @@
     <p:extLst>
       <p:ext uri="{BB962C8B-B14F-4D97-AF65-F5344CB8AC3E}">
         <p14:creationId xmlns:p14="http://schemas.microsoft.com/office/powerpoint/2010/main" val="222357752"/>
+      </p:ext>
+    </p:extLst>
+  </p:cSld>
+  <p:clrMapOvr>
+    <a:masterClrMapping/>
+  </p:clrMapOvr>
+</p:sld>
+</file>
+
+<file path=ppt/slides/slide6.xml><?xml version="1.0" encoding="utf-8"?>
+<p:sld xmlns:a="http://schemas.openxmlformats.org/drawingml/2006/main" xmlns:r="http://schemas.openxmlformats.org/officeDocument/2006/relationships" xmlns:p="http://schemas.openxmlformats.org/presentationml/2006/main">
+  <p:cSld>
+    <p:spTree>
+      <p:nvGrpSpPr>
+        <p:cNvPr id="1" name=""/>
+        <p:cNvGrpSpPr/>
+        <p:nvPr/>
+      </p:nvGrpSpPr>
+      <p:grpSpPr>
+        <a:xfrm>
+          <a:off x="0" y="0"/>
+          <a:ext cx="0" cy="0"/>
+          <a:chOff x="0" y="0"/>
+          <a:chExt cx="0" cy="0"/>
+        </a:xfrm>
+      </p:grpSpPr>
+      <p:sp>
+        <p:nvSpPr>
+          <p:cNvPr id="11" name="文本框 10">
+            <a:extLst>
+              <a:ext uri="{FF2B5EF4-FFF2-40B4-BE49-F238E27FC236}">
+                <a16:creationId xmlns:a16="http://schemas.microsoft.com/office/drawing/2014/main" id="{F2A50A67-0893-152A-F2D9-F7F845F1C946}"/>
+              </a:ext>
+            </a:extLst>
+          </p:cNvPr>
+          <p:cNvSpPr txBox="1"/>
+          <p:nvPr/>
+        </p:nvSpPr>
+        <p:spPr>
+          <a:xfrm>
+            <a:off x="845457" y="5407965"/>
+            <a:ext cx="11081657" cy="646331"/>
+          </a:xfrm>
+          <a:prstGeom prst="rect">
+            <a:avLst/>
+          </a:prstGeom>
+          <a:noFill/>
+        </p:spPr>
+        <p:txBody>
+          <a:bodyPr wrap="square" rtlCol="0">
+            <a:spAutoFit/>
+          </a:bodyPr>
+          <a:lstStyle/>
+          <a:p>
+            <a:r>
+              <a:rPr lang="en-US" altLang="zh-CN" b="1" dirty="0"/>
+              <a:t>1: A-&gt;C		2: A-&gt;B 		1:C-&gt;B 		3:A-&gt;C</a:t>
+            </a:r>
+          </a:p>
+          <a:p>
+            <a:r>
+              <a:rPr lang="en-US" altLang="zh-CN" b="1" dirty="0"/>
+              <a:t>1: B-&gt;A 		2: B-&gt;C		1:A-&gt;C</a:t>
+            </a:r>
+            <a:endParaRPr lang="zh-CN" altLang="en-US" b="1" dirty="0"/>
+          </a:p>
+        </p:txBody>
+      </p:sp>
+      <p:cxnSp>
+        <p:nvCxnSpPr>
+          <p:cNvPr id="3" name="直接连接符 2">
+            <a:extLst>
+              <a:ext uri="{FF2B5EF4-FFF2-40B4-BE49-F238E27FC236}">
+                <a16:creationId xmlns:a16="http://schemas.microsoft.com/office/drawing/2014/main" id="{DFF88B82-A7A6-F4BE-1785-8F738C9522A6}"/>
+              </a:ext>
+            </a:extLst>
+          </p:cNvPr>
+          <p:cNvCxnSpPr>
+            <a:cxnSpLocks/>
+          </p:cNvCxnSpPr>
+          <p:nvPr/>
+        </p:nvCxnSpPr>
+        <p:spPr>
+          <a:xfrm>
+            <a:off x="1988457" y="1162536"/>
+            <a:ext cx="0" cy="3033486"/>
+          </a:xfrm>
+          <a:prstGeom prst="line">
+            <a:avLst/>
+          </a:prstGeom>
+          <a:ln w="28575"/>
+        </p:spPr>
+        <p:style>
+          <a:lnRef idx="1">
+            <a:schemeClr val="accent1"/>
+          </a:lnRef>
+          <a:fillRef idx="0">
+            <a:schemeClr val="accent1"/>
+          </a:fillRef>
+          <a:effectRef idx="0">
+            <a:schemeClr val="accent1"/>
+          </a:effectRef>
+          <a:fontRef idx="minor">
+            <a:schemeClr val="tx1"/>
+          </a:fontRef>
+        </p:style>
+      </p:cxnSp>
+      <p:cxnSp>
+        <p:nvCxnSpPr>
+          <p:cNvPr id="15" name="直接连接符 14">
+            <a:extLst>
+              <a:ext uri="{FF2B5EF4-FFF2-40B4-BE49-F238E27FC236}">
+                <a16:creationId xmlns:a16="http://schemas.microsoft.com/office/drawing/2014/main" id="{6FFF842D-206D-E042-89CE-9CA9B229CB17}"/>
+              </a:ext>
+            </a:extLst>
+          </p:cNvPr>
+          <p:cNvCxnSpPr>
+            <a:cxnSpLocks/>
+          </p:cNvCxnSpPr>
+          <p:nvPr/>
+        </p:nvCxnSpPr>
+        <p:spPr>
+          <a:xfrm>
+            <a:off x="145143" y="4163365"/>
+            <a:ext cx="3940628" cy="0"/>
+          </a:xfrm>
+          <a:prstGeom prst="line">
+            <a:avLst/>
+          </a:prstGeom>
+          <a:ln w="28575"/>
+        </p:spPr>
+        <p:style>
+          <a:lnRef idx="1">
+            <a:schemeClr val="accent1"/>
+          </a:lnRef>
+          <a:fillRef idx="0">
+            <a:schemeClr val="accent1"/>
+          </a:fillRef>
+          <a:effectRef idx="0">
+            <a:schemeClr val="accent1"/>
+          </a:effectRef>
+          <a:fontRef idx="minor">
+            <a:schemeClr val="tx1"/>
+          </a:fontRef>
+        </p:style>
+      </p:cxnSp>
+      <p:sp>
+        <p:nvSpPr>
+          <p:cNvPr id="18" name="矩形 17">
+            <a:extLst>
+              <a:ext uri="{FF2B5EF4-FFF2-40B4-BE49-F238E27FC236}">
+                <a16:creationId xmlns:a16="http://schemas.microsoft.com/office/drawing/2014/main" id="{F43209A3-9F70-32A7-C57F-60ED9D8C417C}"/>
+              </a:ext>
+            </a:extLst>
+          </p:cNvPr>
+          <p:cNvSpPr/>
+          <p:nvPr/>
+        </p:nvSpPr>
+        <p:spPr>
+          <a:xfrm>
+            <a:off x="9586690" y="3790312"/>
+            <a:ext cx="2213424" cy="422203"/>
+          </a:xfrm>
+          <a:prstGeom prst="rect">
+            <a:avLst/>
+          </a:prstGeom>
+          <a:noFill/>
+          <a:ln w="12700">
+            <a:solidFill>
+              <a:schemeClr val="tx1"/>
+            </a:solidFill>
+          </a:ln>
+        </p:spPr>
+        <p:style>
+          <a:lnRef idx="2">
+            <a:schemeClr val="accent1">
+              <a:shade val="50000"/>
+            </a:schemeClr>
+          </a:lnRef>
+          <a:fillRef idx="1">
+            <a:schemeClr val="accent1"/>
+          </a:fillRef>
+          <a:effectRef idx="0">
+            <a:schemeClr val="accent1"/>
+          </a:effectRef>
+          <a:fontRef idx="minor">
+            <a:schemeClr val="lt1"/>
+          </a:fontRef>
+        </p:style>
+        <p:txBody>
+          <a:bodyPr rtlCol="0" anchor="ctr"/>
+          <a:lstStyle/>
+          <a:p>
+            <a:pPr algn="ctr"/>
+            <a:endParaRPr lang="zh-CN" altLang="en-US"/>
+          </a:p>
+        </p:txBody>
+      </p:sp>
+      <p:sp>
+        <p:nvSpPr>
+          <p:cNvPr id="19" name="矩形 18">
+            <a:extLst>
+              <a:ext uri="{FF2B5EF4-FFF2-40B4-BE49-F238E27FC236}">
+                <a16:creationId xmlns:a16="http://schemas.microsoft.com/office/drawing/2014/main" id="{AA9B8577-4E3C-5174-E1D8-3EA85DF3B2A9}"/>
+              </a:ext>
+            </a:extLst>
+          </p:cNvPr>
+          <p:cNvSpPr/>
+          <p:nvPr/>
+        </p:nvSpPr>
+        <p:spPr>
+          <a:xfrm>
+            <a:off x="5534521" y="3790312"/>
+            <a:ext cx="1548476" cy="345927"/>
+          </a:xfrm>
+          <a:prstGeom prst="rect">
+            <a:avLst/>
+          </a:prstGeom>
+          <a:noFill/>
+          <a:ln w="12700">
+            <a:solidFill>
+              <a:schemeClr val="tx1"/>
+            </a:solidFill>
+          </a:ln>
+        </p:spPr>
+        <p:style>
+          <a:lnRef idx="2">
+            <a:schemeClr val="accent1">
+              <a:shade val="50000"/>
+            </a:schemeClr>
+          </a:lnRef>
+          <a:fillRef idx="1">
+            <a:schemeClr val="accent1"/>
+          </a:fillRef>
+          <a:effectRef idx="0">
+            <a:schemeClr val="accent1"/>
+          </a:effectRef>
+          <a:fontRef idx="minor">
+            <a:schemeClr val="lt1"/>
+          </a:fontRef>
+        </p:style>
+        <p:txBody>
+          <a:bodyPr rtlCol="0" anchor="ctr"/>
+          <a:lstStyle/>
+          <a:p>
+            <a:pPr algn="ctr"/>
+            <a:endParaRPr lang="zh-CN" altLang="en-US"/>
+          </a:p>
+        </p:txBody>
+      </p:sp>
+      <p:sp>
+        <p:nvSpPr>
+          <p:cNvPr id="20" name="矩形 19">
+            <a:extLst>
+              <a:ext uri="{FF2B5EF4-FFF2-40B4-BE49-F238E27FC236}">
+                <a16:creationId xmlns:a16="http://schemas.microsoft.com/office/drawing/2014/main" id="{17D9CAE9-BFE5-CBD0-1FB1-B09129E9DAAD}"/>
+              </a:ext>
+            </a:extLst>
+          </p:cNvPr>
+          <p:cNvSpPr/>
+          <p:nvPr/>
+        </p:nvSpPr>
+        <p:spPr>
+          <a:xfrm>
+            <a:off x="1501998" y="3935867"/>
+            <a:ext cx="1098552" cy="243238"/>
+          </a:xfrm>
+          <a:prstGeom prst="rect">
+            <a:avLst/>
+          </a:prstGeom>
+          <a:noFill/>
+          <a:ln w="12700">
+            <a:solidFill>
+              <a:schemeClr val="tx1"/>
+            </a:solidFill>
+          </a:ln>
+        </p:spPr>
+        <p:style>
+          <a:lnRef idx="2">
+            <a:schemeClr val="accent1">
+              <a:shade val="50000"/>
+            </a:schemeClr>
+          </a:lnRef>
+          <a:fillRef idx="1">
+            <a:schemeClr val="accent1"/>
+          </a:fillRef>
+          <a:effectRef idx="0">
+            <a:schemeClr val="accent1"/>
+          </a:effectRef>
+          <a:fontRef idx="minor">
+            <a:schemeClr val="lt1"/>
+          </a:fontRef>
+        </p:style>
+        <p:txBody>
+          <a:bodyPr rtlCol="0" anchor="ctr"/>
+          <a:lstStyle/>
+          <a:p>
+            <a:pPr algn="ctr"/>
+            <a:endParaRPr lang="zh-CN" altLang="en-US"/>
+          </a:p>
+        </p:txBody>
+      </p:sp>
+      <p:sp>
+        <p:nvSpPr>
+          <p:cNvPr id="33" name="文本框 32">
+            <a:extLst>
+              <a:ext uri="{FF2B5EF4-FFF2-40B4-BE49-F238E27FC236}">
+                <a16:creationId xmlns:a16="http://schemas.microsoft.com/office/drawing/2014/main" id="{84845D12-B874-D6A7-8533-DA8D73A70E83}"/>
+              </a:ext>
+            </a:extLst>
+          </p:cNvPr>
+          <p:cNvSpPr txBox="1"/>
+          <p:nvPr/>
+        </p:nvSpPr>
+        <p:spPr>
+          <a:xfrm>
+            <a:off x="11941369" y="3841241"/>
+            <a:ext cx="718457" cy="369332"/>
+          </a:xfrm>
+          <a:prstGeom prst="rect">
+            <a:avLst/>
+          </a:prstGeom>
+          <a:noFill/>
+        </p:spPr>
+        <p:txBody>
+          <a:bodyPr wrap="square" rtlCol="0">
+            <a:spAutoFit/>
+          </a:bodyPr>
+          <a:lstStyle/>
+          <a:p>
+            <a:r>
+              <a:rPr lang="en-US" altLang="zh-CN" b="1" dirty="0"/>
+              <a:t>3</a:t>
+            </a:r>
+            <a:endParaRPr lang="zh-CN" altLang="en-US" b="1" dirty="0"/>
+          </a:p>
+        </p:txBody>
+      </p:sp>
+      <p:sp>
+        <p:nvSpPr>
+          <p:cNvPr id="34" name="文本框 33">
+            <a:extLst>
+              <a:ext uri="{FF2B5EF4-FFF2-40B4-BE49-F238E27FC236}">
+                <a16:creationId xmlns:a16="http://schemas.microsoft.com/office/drawing/2014/main" id="{F8F3EC1A-D157-8EB2-7745-8A8952A44EC9}"/>
+              </a:ext>
+            </a:extLst>
+          </p:cNvPr>
+          <p:cNvSpPr txBox="1"/>
+          <p:nvPr/>
+        </p:nvSpPr>
+        <p:spPr>
+          <a:xfrm>
+            <a:off x="7606462" y="3772028"/>
+            <a:ext cx="718457" cy="369332"/>
+          </a:xfrm>
+          <a:prstGeom prst="rect">
+            <a:avLst/>
+          </a:prstGeom>
+          <a:noFill/>
+        </p:spPr>
+        <p:txBody>
+          <a:bodyPr wrap="square" rtlCol="0">
+            <a:spAutoFit/>
+          </a:bodyPr>
+          <a:lstStyle/>
+          <a:p>
+            <a:r>
+              <a:rPr lang="en-US" altLang="zh-CN" b="1" dirty="0"/>
+              <a:t>2</a:t>
+            </a:r>
+            <a:endParaRPr lang="zh-CN" altLang="en-US" b="1" dirty="0"/>
+          </a:p>
+        </p:txBody>
+      </p:sp>
+      <p:sp>
+        <p:nvSpPr>
+          <p:cNvPr id="35" name="文本框 34">
+            <a:extLst>
+              <a:ext uri="{FF2B5EF4-FFF2-40B4-BE49-F238E27FC236}">
+                <a16:creationId xmlns:a16="http://schemas.microsoft.com/office/drawing/2014/main" id="{753ADA53-1603-1F6E-17DE-942A9D0DD6F7}"/>
+              </a:ext>
+            </a:extLst>
+          </p:cNvPr>
+          <p:cNvSpPr txBox="1"/>
+          <p:nvPr/>
+        </p:nvSpPr>
+        <p:spPr>
+          <a:xfrm>
+            <a:off x="3350303" y="3872820"/>
+            <a:ext cx="718457" cy="369332"/>
+          </a:xfrm>
+          <a:prstGeom prst="rect">
+            <a:avLst/>
+          </a:prstGeom>
+          <a:noFill/>
+        </p:spPr>
+        <p:txBody>
+          <a:bodyPr wrap="square" rtlCol="0">
+            <a:spAutoFit/>
+          </a:bodyPr>
+          <a:lstStyle/>
+          <a:p>
+            <a:r>
+              <a:rPr lang="en-US" altLang="zh-CN" b="1" dirty="0"/>
+              <a:t>1</a:t>
+            </a:r>
+            <a:endParaRPr lang="zh-CN" altLang="en-US" b="1" dirty="0"/>
+          </a:p>
+        </p:txBody>
+      </p:sp>
+      <p:cxnSp>
+        <p:nvCxnSpPr>
+          <p:cNvPr id="36" name="直接连接符 35">
+            <a:extLst>
+              <a:ext uri="{FF2B5EF4-FFF2-40B4-BE49-F238E27FC236}">
+                <a16:creationId xmlns:a16="http://schemas.microsoft.com/office/drawing/2014/main" id="{4FFA0EF7-CDDE-7735-A782-8267C90AD3B7}"/>
+              </a:ext>
+            </a:extLst>
+          </p:cNvPr>
+          <p:cNvCxnSpPr>
+            <a:cxnSpLocks/>
+          </p:cNvCxnSpPr>
+          <p:nvPr/>
+        </p:nvCxnSpPr>
+        <p:spPr>
+          <a:xfrm>
+            <a:off x="6270172" y="2037089"/>
+            <a:ext cx="0" cy="2124947"/>
+          </a:xfrm>
+          <a:prstGeom prst="line">
+            <a:avLst/>
+          </a:prstGeom>
+          <a:ln w="28575"/>
+        </p:spPr>
+        <p:style>
+          <a:lnRef idx="1">
+            <a:schemeClr val="accent1"/>
+          </a:lnRef>
+          <a:fillRef idx="0">
+            <a:schemeClr val="accent1"/>
+          </a:fillRef>
+          <a:effectRef idx="0">
+            <a:schemeClr val="accent1"/>
+          </a:effectRef>
+          <a:fontRef idx="minor">
+            <a:schemeClr val="tx1"/>
+          </a:fontRef>
+        </p:style>
+      </p:cxnSp>
+      <p:cxnSp>
+        <p:nvCxnSpPr>
+          <p:cNvPr id="37" name="直接连接符 36">
+            <a:extLst>
+              <a:ext uri="{FF2B5EF4-FFF2-40B4-BE49-F238E27FC236}">
+                <a16:creationId xmlns:a16="http://schemas.microsoft.com/office/drawing/2014/main" id="{93C3C61F-E698-CE14-CC97-BF42BF2E58DC}"/>
+              </a:ext>
+            </a:extLst>
+          </p:cNvPr>
+          <p:cNvCxnSpPr>
+            <a:cxnSpLocks/>
+          </p:cNvCxnSpPr>
+          <p:nvPr/>
+        </p:nvCxnSpPr>
+        <p:spPr>
+          <a:xfrm>
+            <a:off x="5011056" y="4138869"/>
+            <a:ext cx="2656114" cy="23167"/>
+          </a:xfrm>
+          <a:prstGeom prst="line">
+            <a:avLst/>
+          </a:prstGeom>
+          <a:ln w="28575"/>
+        </p:spPr>
+        <p:style>
+          <a:lnRef idx="1">
+            <a:schemeClr val="accent1"/>
+          </a:lnRef>
+          <a:fillRef idx="0">
+            <a:schemeClr val="accent1"/>
+          </a:fillRef>
+          <a:effectRef idx="0">
+            <a:schemeClr val="accent1"/>
+          </a:effectRef>
+          <a:fontRef idx="minor">
+            <a:schemeClr val="tx1"/>
+          </a:fontRef>
+        </p:style>
+      </p:cxnSp>
+      <p:cxnSp>
+        <p:nvCxnSpPr>
+          <p:cNvPr id="44" name="直接连接符 43">
+            <a:extLst>
+              <a:ext uri="{FF2B5EF4-FFF2-40B4-BE49-F238E27FC236}">
+                <a16:creationId xmlns:a16="http://schemas.microsoft.com/office/drawing/2014/main" id="{AC2BD9AD-3C64-4C79-73C6-C74C09DDFCE6}"/>
+              </a:ext>
+            </a:extLst>
+          </p:cNvPr>
+          <p:cNvCxnSpPr>
+            <a:cxnSpLocks/>
+          </p:cNvCxnSpPr>
+          <p:nvPr/>
+        </p:nvCxnSpPr>
+        <p:spPr>
+          <a:xfrm>
+            <a:off x="10450285" y="2047910"/>
+            <a:ext cx="0" cy="2124947"/>
+          </a:xfrm>
+          <a:prstGeom prst="line">
+            <a:avLst/>
+          </a:prstGeom>
+          <a:ln w="28575"/>
+        </p:spPr>
+        <p:style>
+          <a:lnRef idx="1">
+            <a:schemeClr val="accent1"/>
+          </a:lnRef>
+          <a:fillRef idx="0">
+            <a:schemeClr val="accent1"/>
+          </a:fillRef>
+          <a:effectRef idx="0">
+            <a:schemeClr val="accent1"/>
+          </a:effectRef>
+          <a:fontRef idx="minor">
+            <a:schemeClr val="tx1"/>
+          </a:fontRef>
+        </p:style>
+      </p:cxnSp>
+      <p:cxnSp>
+        <p:nvCxnSpPr>
+          <p:cNvPr id="45" name="直接连接符 44">
+            <a:extLst>
+              <a:ext uri="{FF2B5EF4-FFF2-40B4-BE49-F238E27FC236}">
+                <a16:creationId xmlns:a16="http://schemas.microsoft.com/office/drawing/2014/main" id="{38F8E53A-679F-EE83-607D-8552CBFE3C52}"/>
+              </a:ext>
+            </a:extLst>
+          </p:cNvPr>
+          <p:cNvCxnSpPr>
+            <a:cxnSpLocks/>
+          </p:cNvCxnSpPr>
+          <p:nvPr/>
+        </p:nvCxnSpPr>
+        <p:spPr>
+          <a:xfrm>
+            <a:off x="9151257" y="4163363"/>
+            <a:ext cx="2648857" cy="9494"/>
+          </a:xfrm>
+          <a:prstGeom prst="line">
+            <a:avLst/>
+          </a:prstGeom>
+          <a:ln w="28575"/>
+        </p:spPr>
+        <p:style>
+          <a:lnRef idx="1">
+            <a:schemeClr val="accent1"/>
+          </a:lnRef>
+          <a:fillRef idx="0">
+            <a:schemeClr val="accent1"/>
+          </a:fillRef>
+          <a:effectRef idx="0">
+            <a:schemeClr val="accent1"/>
+          </a:effectRef>
+          <a:fontRef idx="minor">
+            <a:schemeClr val="tx1"/>
+          </a:fontRef>
+        </p:style>
+      </p:cxnSp>
+      <p:sp>
+        <p:nvSpPr>
+          <p:cNvPr id="46" name="文本框 45">
+            <a:extLst>
+              <a:ext uri="{FF2B5EF4-FFF2-40B4-BE49-F238E27FC236}">
+                <a16:creationId xmlns:a16="http://schemas.microsoft.com/office/drawing/2014/main" id="{1C5A9D4D-0924-58CD-34A5-749627584D8C}"/>
+              </a:ext>
+            </a:extLst>
+          </p:cNvPr>
+          <p:cNvSpPr txBox="1"/>
+          <p:nvPr/>
+        </p:nvSpPr>
+        <p:spPr>
+          <a:xfrm>
+            <a:off x="1841500" y="4527392"/>
+            <a:ext cx="718457" cy="369332"/>
+          </a:xfrm>
+          <a:prstGeom prst="rect">
+            <a:avLst/>
+          </a:prstGeom>
+          <a:noFill/>
+        </p:spPr>
+        <p:txBody>
+          <a:bodyPr wrap="square" rtlCol="0">
+            <a:spAutoFit/>
+          </a:bodyPr>
+          <a:lstStyle/>
+          <a:p>
+            <a:r>
+              <a:rPr lang="en-US" altLang="zh-CN" b="1" dirty="0"/>
+              <a:t>A</a:t>
+            </a:r>
+            <a:endParaRPr lang="zh-CN" altLang="en-US" b="1" dirty="0"/>
+          </a:p>
+        </p:txBody>
+      </p:sp>
+      <p:sp>
+        <p:nvSpPr>
+          <p:cNvPr id="47" name="文本框 46">
+            <a:extLst>
+              <a:ext uri="{FF2B5EF4-FFF2-40B4-BE49-F238E27FC236}">
+                <a16:creationId xmlns:a16="http://schemas.microsoft.com/office/drawing/2014/main" id="{84ECCA60-1AFC-379D-9CEB-D36A5F8A05C8}"/>
+              </a:ext>
+            </a:extLst>
+          </p:cNvPr>
+          <p:cNvSpPr txBox="1"/>
+          <p:nvPr/>
+        </p:nvSpPr>
+        <p:spPr>
+          <a:xfrm>
+            <a:off x="5972627" y="4527478"/>
+            <a:ext cx="718457" cy="369332"/>
+          </a:xfrm>
+          <a:prstGeom prst="rect">
+            <a:avLst/>
+          </a:prstGeom>
+          <a:noFill/>
+        </p:spPr>
+        <p:txBody>
+          <a:bodyPr wrap="square" rtlCol="0">
+            <a:spAutoFit/>
+          </a:bodyPr>
+          <a:lstStyle/>
+          <a:p>
+            <a:r>
+              <a:rPr lang="en-US" altLang="zh-CN" b="1" dirty="0"/>
+              <a:t>B</a:t>
+            </a:r>
+            <a:endParaRPr lang="zh-CN" altLang="en-US" b="1" dirty="0"/>
+          </a:p>
+        </p:txBody>
+      </p:sp>
+      <p:sp>
+        <p:nvSpPr>
+          <p:cNvPr id="48" name="文本框 47">
+            <a:extLst>
+              <a:ext uri="{FF2B5EF4-FFF2-40B4-BE49-F238E27FC236}">
+                <a16:creationId xmlns:a16="http://schemas.microsoft.com/office/drawing/2014/main" id="{C5058123-D286-9466-28A6-BA4D2B1300E6}"/>
+              </a:ext>
+            </a:extLst>
+          </p:cNvPr>
+          <p:cNvSpPr txBox="1"/>
+          <p:nvPr/>
+        </p:nvSpPr>
+        <p:spPr>
+          <a:xfrm>
+            <a:off x="10276113" y="4527392"/>
+            <a:ext cx="718457" cy="369332"/>
+          </a:xfrm>
+          <a:prstGeom prst="rect">
+            <a:avLst/>
+          </a:prstGeom>
+          <a:noFill/>
+        </p:spPr>
+        <p:txBody>
+          <a:bodyPr wrap="square" rtlCol="0">
+            <a:spAutoFit/>
+          </a:bodyPr>
+          <a:lstStyle/>
+          <a:p>
+            <a:r>
+              <a:rPr lang="en-US" altLang="zh-CN" b="1" dirty="0"/>
+              <a:t>C</a:t>
+            </a:r>
+            <a:endParaRPr lang="zh-CN" altLang="en-US" b="1" dirty="0"/>
+          </a:p>
+        </p:txBody>
+      </p:sp>
+      <p:sp>
+        <p:nvSpPr>
+          <p:cNvPr id="57" name="文本框 56">
+            <a:extLst>
+              <a:ext uri="{FF2B5EF4-FFF2-40B4-BE49-F238E27FC236}">
+                <a16:creationId xmlns:a16="http://schemas.microsoft.com/office/drawing/2014/main" id="{EFAE53C7-4226-790B-198C-2AEB8B31001B}"/>
+              </a:ext>
+            </a:extLst>
+          </p:cNvPr>
+          <p:cNvSpPr txBox="1"/>
+          <p:nvPr/>
+        </p:nvSpPr>
+        <p:spPr>
+          <a:xfrm>
+            <a:off x="1614939" y="387724"/>
+            <a:ext cx="1668915" cy="369332"/>
+          </a:xfrm>
+          <a:prstGeom prst="rect">
+            <a:avLst/>
+          </a:prstGeom>
+          <a:noFill/>
+        </p:spPr>
+        <p:txBody>
+          <a:bodyPr wrap="square" rtlCol="0">
+            <a:spAutoFit/>
+          </a:bodyPr>
+          <a:lstStyle/>
+          <a:p>
+            <a:r>
+              <a:rPr lang="en-US" altLang="zh-CN" b="1" dirty="0"/>
+              <a:t>n = 4</a:t>
+            </a:r>
+            <a:endParaRPr lang="zh-CN" altLang="en-US" b="1" dirty="0"/>
+          </a:p>
+        </p:txBody>
+      </p:sp>
+      <p:sp>
+        <p:nvSpPr>
+          <p:cNvPr id="71" name="文本框 70">
+            <a:extLst>
+              <a:ext uri="{FF2B5EF4-FFF2-40B4-BE49-F238E27FC236}">
+                <a16:creationId xmlns:a16="http://schemas.microsoft.com/office/drawing/2014/main" id="{1E886B6D-455E-7BE4-AA47-4EE4103B919E}"/>
+              </a:ext>
+            </a:extLst>
+          </p:cNvPr>
+          <p:cNvSpPr txBox="1"/>
+          <p:nvPr/>
+        </p:nvSpPr>
+        <p:spPr>
+          <a:xfrm>
+            <a:off x="2559957" y="386397"/>
+            <a:ext cx="11081657" cy="646331"/>
+          </a:xfrm>
+          <a:prstGeom prst="rect">
+            <a:avLst/>
+          </a:prstGeom>
+          <a:noFill/>
+        </p:spPr>
+        <p:txBody>
+          <a:bodyPr wrap="square" rtlCol="0">
+            <a:spAutoFit/>
+          </a:bodyPr>
+          <a:lstStyle/>
+          <a:p>
+            <a:r>
+              <a:rPr lang="en-US" altLang="zh-CN" b="1" dirty="0"/>
+              <a:t>1: A-&gt;C		2: A-&gt;B 		1:C-&gt;B 		3:A-&gt;C</a:t>
+            </a:r>
+          </a:p>
+          <a:p>
+            <a:r>
+              <a:rPr lang="en-US" altLang="zh-CN" b="1" dirty="0"/>
+              <a:t>1: B-&gt;A 		2: B-&gt;C		1:A-&gt;C</a:t>
+            </a:r>
+            <a:endParaRPr lang="zh-CN" altLang="en-US" b="1" dirty="0"/>
+          </a:p>
+        </p:txBody>
+      </p:sp>
+    </p:spTree>
+    <p:extLst>
+      <p:ext uri="{BB962C8B-B14F-4D97-AF65-F5344CB8AC3E}">
+        <p14:creationId xmlns:p14="http://schemas.microsoft.com/office/powerpoint/2010/main" val="696135350"/>
+      </p:ext>
+    </p:extLst>
+  </p:cSld>
+  <p:clrMapOvr>
+    <a:masterClrMapping/>
+  </p:clrMapOvr>
+</p:sld>
+</file>
+
+<file path=ppt/slides/slide7.xml><?xml version="1.0" encoding="utf-8"?>
+<p:sld xmlns:a="http://schemas.openxmlformats.org/drawingml/2006/main" xmlns:r="http://schemas.openxmlformats.org/officeDocument/2006/relationships" xmlns:p="http://schemas.openxmlformats.org/presentationml/2006/main">
+  <p:cSld>
+    <p:spTree>
+      <p:nvGrpSpPr>
+        <p:cNvPr id="1" name=""/>
+        <p:cNvGrpSpPr/>
+        <p:nvPr/>
+      </p:nvGrpSpPr>
+      <p:grpSpPr>
+        <a:xfrm>
+          <a:off x="0" y="0"/>
+          <a:ext cx="0" cy="0"/>
+          <a:chOff x="0" y="0"/>
+          <a:chExt cx="0" cy="0"/>
+        </a:xfrm>
+      </p:grpSpPr>
+      <p:sp>
+        <p:nvSpPr>
+          <p:cNvPr id="11" name="文本框 10">
+            <a:extLst>
+              <a:ext uri="{FF2B5EF4-FFF2-40B4-BE49-F238E27FC236}">
+                <a16:creationId xmlns:a16="http://schemas.microsoft.com/office/drawing/2014/main" id="{F2A50A67-0893-152A-F2D9-F7F845F1C946}"/>
+              </a:ext>
+            </a:extLst>
+          </p:cNvPr>
+          <p:cNvSpPr txBox="1"/>
+          <p:nvPr/>
+        </p:nvSpPr>
+        <p:spPr>
+          <a:xfrm>
+            <a:off x="3715658" y="434188"/>
+            <a:ext cx="6633027" cy="646331"/>
+          </a:xfrm>
+          <a:prstGeom prst="rect">
+            <a:avLst/>
+          </a:prstGeom>
+          <a:noFill/>
+        </p:spPr>
+        <p:txBody>
+          <a:bodyPr wrap="square" rtlCol="0">
+            <a:spAutoFit/>
+          </a:bodyPr>
+          <a:lstStyle/>
+          <a:p>
+            <a:r>
+              <a:rPr lang="en-US" altLang="zh-CN" b="1" dirty="0"/>
+              <a:t>1: A-&gt;C		2: A-&gt;B 		1:C-&gt;B 		3:A-&gt;C</a:t>
+            </a:r>
+          </a:p>
+          <a:p>
+            <a:r>
+              <a:rPr lang="en-US" altLang="zh-CN" b="1" dirty="0"/>
+              <a:t>1: B-&gt;A 		2: B-&gt;C		1:A-&gt;C</a:t>
+            </a:r>
+            <a:endParaRPr lang="zh-CN" altLang="en-US" b="1" dirty="0"/>
+          </a:p>
+        </p:txBody>
+      </p:sp>
+      <p:cxnSp>
+        <p:nvCxnSpPr>
+          <p:cNvPr id="3" name="直接连接符 2">
+            <a:extLst>
+              <a:ext uri="{FF2B5EF4-FFF2-40B4-BE49-F238E27FC236}">
+                <a16:creationId xmlns:a16="http://schemas.microsoft.com/office/drawing/2014/main" id="{DFF88B82-A7A6-F4BE-1785-8F738C9522A6}"/>
+              </a:ext>
+            </a:extLst>
+          </p:cNvPr>
+          <p:cNvCxnSpPr>
+            <a:cxnSpLocks/>
+          </p:cNvCxnSpPr>
+          <p:nvPr/>
+        </p:nvCxnSpPr>
+        <p:spPr>
+          <a:xfrm>
+            <a:off x="1988457" y="1162536"/>
+            <a:ext cx="0" cy="3033486"/>
+          </a:xfrm>
+          <a:prstGeom prst="line">
+            <a:avLst/>
+          </a:prstGeom>
+          <a:ln w="28575"/>
+        </p:spPr>
+        <p:style>
+          <a:lnRef idx="1">
+            <a:schemeClr val="accent1"/>
+          </a:lnRef>
+          <a:fillRef idx="0">
+            <a:schemeClr val="accent1"/>
+          </a:fillRef>
+          <a:effectRef idx="0">
+            <a:schemeClr val="accent1"/>
+          </a:effectRef>
+          <a:fontRef idx="minor">
+            <a:schemeClr val="tx1"/>
+          </a:fontRef>
+        </p:style>
+      </p:cxnSp>
+      <p:cxnSp>
+        <p:nvCxnSpPr>
+          <p:cNvPr id="15" name="直接连接符 14">
+            <a:extLst>
+              <a:ext uri="{FF2B5EF4-FFF2-40B4-BE49-F238E27FC236}">
+                <a16:creationId xmlns:a16="http://schemas.microsoft.com/office/drawing/2014/main" id="{6FFF842D-206D-E042-89CE-9CA9B229CB17}"/>
+              </a:ext>
+            </a:extLst>
+          </p:cNvPr>
+          <p:cNvCxnSpPr>
+            <a:cxnSpLocks/>
+          </p:cNvCxnSpPr>
+          <p:nvPr/>
+        </p:nvCxnSpPr>
+        <p:spPr>
+          <a:xfrm>
+            <a:off x="145143" y="4163365"/>
+            <a:ext cx="3940628" cy="0"/>
+          </a:xfrm>
+          <a:prstGeom prst="line">
+            <a:avLst/>
+          </a:prstGeom>
+          <a:ln w="28575"/>
+        </p:spPr>
+        <p:style>
+          <a:lnRef idx="1">
+            <a:schemeClr val="accent1"/>
+          </a:lnRef>
+          <a:fillRef idx="0">
+            <a:schemeClr val="accent1"/>
+          </a:fillRef>
+          <a:effectRef idx="0">
+            <a:schemeClr val="accent1"/>
+          </a:effectRef>
+          <a:fontRef idx="minor">
+            <a:schemeClr val="tx1"/>
+          </a:fontRef>
+        </p:style>
+      </p:cxnSp>
+      <p:sp>
+        <p:nvSpPr>
+          <p:cNvPr id="19" name="矩形 18">
+            <a:extLst>
+              <a:ext uri="{FF2B5EF4-FFF2-40B4-BE49-F238E27FC236}">
+                <a16:creationId xmlns:a16="http://schemas.microsoft.com/office/drawing/2014/main" id="{AA9B8577-4E3C-5174-E1D8-3EA85DF3B2A9}"/>
+              </a:ext>
+            </a:extLst>
+          </p:cNvPr>
+          <p:cNvSpPr/>
+          <p:nvPr/>
+        </p:nvSpPr>
+        <p:spPr>
+          <a:xfrm>
+            <a:off x="5370286" y="3124813"/>
+            <a:ext cx="1912256" cy="461665"/>
+          </a:xfrm>
+          <a:prstGeom prst="rect">
+            <a:avLst/>
+          </a:prstGeom>
+          <a:noFill/>
+          <a:ln w="12700">
+            <a:solidFill>
+              <a:schemeClr val="tx1"/>
+            </a:solidFill>
+          </a:ln>
+        </p:spPr>
+        <p:style>
+          <a:lnRef idx="2">
+            <a:schemeClr val="accent1">
+              <a:shade val="50000"/>
+            </a:schemeClr>
+          </a:lnRef>
+          <a:fillRef idx="1">
+            <a:schemeClr val="accent1"/>
+          </a:fillRef>
+          <a:effectRef idx="0">
+            <a:schemeClr val="accent1"/>
+          </a:effectRef>
+          <a:fontRef idx="minor">
+            <a:schemeClr val="lt1"/>
+          </a:fontRef>
+        </p:style>
+        <p:txBody>
+          <a:bodyPr rtlCol="0" anchor="ctr"/>
+          <a:lstStyle/>
+          <a:p>
+            <a:pPr algn="ctr"/>
+            <a:endParaRPr lang="zh-CN" altLang="en-US"/>
+          </a:p>
+        </p:txBody>
+      </p:sp>
+      <p:sp>
+        <p:nvSpPr>
+          <p:cNvPr id="33" name="文本框 32">
+            <a:extLst>
+              <a:ext uri="{FF2B5EF4-FFF2-40B4-BE49-F238E27FC236}">
+                <a16:creationId xmlns:a16="http://schemas.microsoft.com/office/drawing/2014/main" id="{84845D12-B874-D6A7-8533-DA8D73A70E83}"/>
+              </a:ext>
+            </a:extLst>
+          </p:cNvPr>
+          <p:cNvSpPr txBox="1"/>
+          <p:nvPr/>
+        </p:nvSpPr>
+        <p:spPr>
+          <a:xfrm>
+            <a:off x="7973782" y="3677204"/>
+            <a:ext cx="718457" cy="369332"/>
+          </a:xfrm>
+          <a:prstGeom prst="rect">
+            <a:avLst/>
+          </a:prstGeom>
+          <a:noFill/>
+        </p:spPr>
+        <p:txBody>
+          <a:bodyPr wrap="square" rtlCol="0">
+            <a:spAutoFit/>
+          </a:bodyPr>
+          <a:lstStyle/>
+          <a:p>
+            <a:r>
+              <a:rPr lang="en-US" altLang="zh-CN" b="1" dirty="0"/>
+              <a:t>4</a:t>
+            </a:r>
+            <a:endParaRPr lang="zh-CN" altLang="en-US" b="1" dirty="0"/>
+          </a:p>
+        </p:txBody>
+      </p:sp>
+      <p:sp>
+        <p:nvSpPr>
+          <p:cNvPr id="34" name="文本框 33">
+            <a:extLst>
+              <a:ext uri="{FF2B5EF4-FFF2-40B4-BE49-F238E27FC236}">
+                <a16:creationId xmlns:a16="http://schemas.microsoft.com/office/drawing/2014/main" id="{F8F3EC1A-D157-8EB2-7745-8A8952A44EC9}"/>
+              </a:ext>
+            </a:extLst>
+          </p:cNvPr>
+          <p:cNvSpPr txBox="1"/>
+          <p:nvPr/>
+        </p:nvSpPr>
+        <p:spPr>
+          <a:xfrm>
+            <a:off x="8171541" y="3060731"/>
+            <a:ext cx="718457" cy="369332"/>
+          </a:xfrm>
+          <a:prstGeom prst="rect">
+            <a:avLst/>
+          </a:prstGeom>
+          <a:noFill/>
+        </p:spPr>
+        <p:txBody>
+          <a:bodyPr wrap="square" rtlCol="0">
+            <a:spAutoFit/>
+          </a:bodyPr>
+          <a:lstStyle/>
+          <a:p>
+            <a:r>
+              <a:rPr lang="en-US" altLang="zh-CN" b="1" dirty="0"/>
+              <a:t>3</a:t>
+            </a:r>
+            <a:endParaRPr lang="zh-CN" altLang="en-US" b="1" dirty="0"/>
+          </a:p>
+        </p:txBody>
+      </p:sp>
+      <p:sp>
+        <p:nvSpPr>
+          <p:cNvPr id="35" name="文本框 34">
+            <a:extLst>
+              <a:ext uri="{FF2B5EF4-FFF2-40B4-BE49-F238E27FC236}">
+                <a16:creationId xmlns:a16="http://schemas.microsoft.com/office/drawing/2014/main" id="{753ADA53-1603-1F6E-17DE-942A9D0DD6F7}"/>
+              </a:ext>
+            </a:extLst>
+          </p:cNvPr>
+          <p:cNvSpPr txBox="1"/>
+          <p:nvPr/>
+        </p:nvSpPr>
+        <p:spPr>
+          <a:xfrm>
+            <a:off x="7942483" y="2628924"/>
+            <a:ext cx="718457" cy="369332"/>
+          </a:xfrm>
+          <a:prstGeom prst="rect">
+            <a:avLst/>
+          </a:prstGeom>
+          <a:noFill/>
+        </p:spPr>
+        <p:txBody>
+          <a:bodyPr wrap="square" rtlCol="0">
+            <a:spAutoFit/>
+          </a:bodyPr>
+          <a:lstStyle/>
+          <a:p>
+            <a:r>
+              <a:rPr lang="en-US" altLang="zh-CN" b="1" dirty="0"/>
+              <a:t>2</a:t>
+            </a:r>
+            <a:endParaRPr lang="zh-CN" altLang="en-US" b="1" dirty="0"/>
+          </a:p>
+        </p:txBody>
+      </p:sp>
+      <p:cxnSp>
+        <p:nvCxnSpPr>
+          <p:cNvPr id="36" name="直接连接符 35">
+            <a:extLst>
+              <a:ext uri="{FF2B5EF4-FFF2-40B4-BE49-F238E27FC236}">
+                <a16:creationId xmlns:a16="http://schemas.microsoft.com/office/drawing/2014/main" id="{4FFA0EF7-CDDE-7735-A782-8267C90AD3B7}"/>
+              </a:ext>
+            </a:extLst>
+          </p:cNvPr>
+          <p:cNvCxnSpPr>
+            <a:cxnSpLocks/>
+          </p:cNvCxnSpPr>
+          <p:nvPr/>
+        </p:nvCxnSpPr>
+        <p:spPr>
+          <a:xfrm>
+            <a:off x="6270172" y="2037089"/>
+            <a:ext cx="0" cy="2124947"/>
+          </a:xfrm>
+          <a:prstGeom prst="line">
+            <a:avLst/>
+          </a:prstGeom>
+          <a:ln w="28575"/>
+        </p:spPr>
+        <p:style>
+          <a:lnRef idx="1">
+            <a:schemeClr val="accent1"/>
+          </a:lnRef>
+          <a:fillRef idx="0">
+            <a:schemeClr val="accent1"/>
+          </a:fillRef>
+          <a:effectRef idx="0">
+            <a:schemeClr val="accent1"/>
+          </a:effectRef>
+          <a:fontRef idx="minor">
+            <a:schemeClr val="tx1"/>
+          </a:fontRef>
+        </p:style>
+      </p:cxnSp>
+      <p:cxnSp>
+        <p:nvCxnSpPr>
+          <p:cNvPr id="37" name="直接连接符 36">
+            <a:extLst>
+              <a:ext uri="{FF2B5EF4-FFF2-40B4-BE49-F238E27FC236}">
+                <a16:creationId xmlns:a16="http://schemas.microsoft.com/office/drawing/2014/main" id="{93C3C61F-E698-CE14-CC97-BF42BF2E58DC}"/>
+              </a:ext>
+            </a:extLst>
+          </p:cNvPr>
+          <p:cNvCxnSpPr>
+            <a:cxnSpLocks/>
+          </p:cNvCxnSpPr>
+          <p:nvPr/>
+        </p:nvCxnSpPr>
+        <p:spPr>
+          <a:xfrm>
+            <a:off x="5011056" y="4138869"/>
+            <a:ext cx="2656114" cy="23167"/>
+          </a:xfrm>
+          <a:prstGeom prst="line">
+            <a:avLst/>
+          </a:prstGeom>
+          <a:ln w="28575"/>
+        </p:spPr>
+        <p:style>
+          <a:lnRef idx="1">
+            <a:schemeClr val="accent1"/>
+          </a:lnRef>
+          <a:fillRef idx="0">
+            <a:schemeClr val="accent1"/>
+          </a:fillRef>
+          <a:effectRef idx="0">
+            <a:schemeClr val="accent1"/>
+          </a:effectRef>
+          <a:fontRef idx="minor">
+            <a:schemeClr val="tx1"/>
+          </a:fontRef>
+        </p:style>
+      </p:cxnSp>
+      <p:cxnSp>
+        <p:nvCxnSpPr>
+          <p:cNvPr id="44" name="直接连接符 43">
+            <a:extLst>
+              <a:ext uri="{FF2B5EF4-FFF2-40B4-BE49-F238E27FC236}">
+                <a16:creationId xmlns:a16="http://schemas.microsoft.com/office/drawing/2014/main" id="{AC2BD9AD-3C64-4C79-73C6-C74C09DDFCE6}"/>
+              </a:ext>
+            </a:extLst>
+          </p:cNvPr>
+          <p:cNvCxnSpPr>
+            <a:cxnSpLocks/>
+          </p:cNvCxnSpPr>
+          <p:nvPr/>
+        </p:nvCxnSpPr>
+        <p:spPr>
+          <a:xfrm>
+            <a:off x="10450285" y="2047910"/>
+            <a:ext cx="0" cy="2124947"/>
+          </a:xfrm>
+          <a:prstGeom prst="line">
+            <a:avLst/>
+          </a:prstGeom>
+          <a:ln w="28575"/>
+        </p:spPr>
+        <p:style>
+          <a:lnRef idx="1">
+            <a:schemeClr val="accent1"/>
+          </a:lnRef>
+          <a:fillRef idx="0">
+            <a:schemeClr val="accent1"/>
+          </a:fillRef>
+          <a:effectRef idx="0">
+            <a:schemeClr val="accent1"/>
+          </a:effectRef>
+          <a:fontRef idx="minor">
+            <a:schemeClr val="tx1"/>
+          </a:fontRef>
+        </p:style>
+      </p:cxnSp>
+      <p:cxnSp>
+        <p:nvCxnSpPr>
+          <p:cNvPr id="45" name="直接连接符 44">
+            <a:extLst>
+              <a:ext uri="{FF2B5EF4-FFF2-40B4-BE49-F238E27FC236}">
+                <a16:creationId xmlns:a16="http://schemas.microsoft.com/office/drawing/2014/main" id="{38F8E53A-679F-EE83-607D-8552CBFE3C52}"/>
+              </a:ext>
+            </a:extLst>
+          </p:cNvPr>
+          <p:cNvCxnSpPr>
+            <a:cxnSpLocks/>
+          </p:cNvCxnSpPr>
+          <p:nvPr/>
+        </p:nvCxnSpPr>
+        <p:spPr>
+          <a:xfrm>
+            <a:off x="9151257" y="4163363"/>
+            <a:ext cx="2648857" cy="9494"/>
+          </a:xfrm>
+          <a:prstGeom prst="line">
+            <a:avLst/>
+          </a:prstGeom>
+          <a:ln w="28575"/>
+        </p:spPr>
+        <p:style>
+          <a:lnRef idx="1">
+            <a:schemeClr val="accent1"/>
+          </a:lnRef>
+          <a:fillRef idx="0">
+            <a:schemeClr val="accent1"/>
+          </a:fillRef>
+          <a:effectRef idx="0">
+            <a:schemeClr val="accent1"/>
+          </a:effectRef>
+          <a:fontRef idx="minor">
+            <a:schemeClr val="tx1"/>
+          </a:fontRef>
+        </p:style>
+      </p:cxnSp>
+      <p:sp>
+        <p:nvSpPr>
+          <p:cNvPr id="46" name="文本框 45">
+            <a:extLst>
+              <a:ext uri="{FF2B5EF4-FFF2-40B4-BE49-F238E27FC236}">
+                <a16:creationId xmlns:a16="http://schemas.microsoft.com/office/drawing/2014/main" id="{1C5A9D4D-0924-58CD-34A5-749627584D8C}"/>
+              </a:ext>
+            </a:extLst>
+          </p:cNvPr>
+          <p:cNvSpPr txBox="1"/>
+          <p:nvPr/>
+        </p:nvSpPr>
+        <p:spPr>
+          <a:xfrm>
+            <a:off x="1841500" y="4527392"/>
+            <a:ext cx="718457" cy="369332"/>
+          </a:xfrm>
+          <a:prstGeom prst="rect">
+            <a:avLst/>
+          </a:prstGeom>
+          <a:noFill/>
+        </p:spPr>
+        <p:txBody>
+          <a:bodyPr wrap="square" rtlCol="0">
+            <a:spAutoFit/>
+          </a:bodyPr>
+          <a:lstStyle/>
+          <a:p>
+            <a:r>
+              <a:rPr lang="en-US" altLang="zh-CN" b="1" dirty="0"/>
+              <a:t>A</a:t>
+            </a:r>
+            <a:endParaRPr lang="zh-CN" altLang="en-US" b="1" dirty="0"/>
+          </a:p>
+        </p:txBody>
+      </p:sp>
+      <p:sp>
+        <p:nvSpPr>
+          <p:cNvPr id="47" name="文本框 46">
+            <a:extLst>
+              <a:ext uri="{FF2B5EF4-FFF2-40B4-BE49-F238E27FC236}">
+                <a16:creationId xmlns:a16="http://schemas.microsoft.com/office/drawing/2014/main" id="{84ECCA60-1AFC-379D-9CEB-D36A5F8A05C8}"/>
+              </a:ext>
+            </a:extLst>
+          </p:cNvPr>
+          <p:cNvSpPr txBox="1"/>
+          <p:nvPr/>
+        </p:nvSpPr>
+        <p:spPr>
+          <a:xfrm>
+            <a:off x="5972627" y="4527478"/>
+            <a:ext cx="718457" cy="369332"/>
+          </a:xfrm>
+          <a:prstGeom prst="rect">
+            <a:avLst/>
+          </a:prstGeom>
+          <a:noFill/>
+        </p:spPr>
+        <p:txBody>
+          <a:bodyPr wrap="square" rtlCol="0">
+            <a:spAutoFit/>
+          </a:bodyPr>
+          <a:lstStyle/>
+          <a:p>
+            <a:r>
+              <a:rPr lang="en-US" altLang="zh-CN" b="1" dirty="0"/>
+              <a:t>B</a:t>
+            </a:r>
+            <a:endParaRPr lang="zh-CN" altLang="en-US" b="1" dirty="0"/>
+          </a:p>
+        </p:txBody>
+      </p:sp>
+      <p:sp>
+        <p:nvSpPr>
+          <p:cNvPr id="48" name="文本框 47">
+            <a:extLst>
+              <a:ext uri="{FF2B5EF4-FFF2-40B4-BE49-F238E27FC236}">
+                <a16:creationId xmlns:a16="http://schemas.microsoft.com/office/drawing/2014/main" id="{C5058123-D286-9466-28A6-BA4D2B1300E6}"/>
+              </a:ext>
+            </a:extLst>
+          </p:cNvPr>
+          <p:cNvSpPr txBox="1"/>
+          <p:nvPr/>
+        </p:nvSpPr>
+        <p:spPr>
+          <a:xfrm>
+            <a:off x="10276113" y="4527392"/>
+            <a:ext cx="718457" cy="369332"/>
+          </a:xfrm>
+          <a:prstGeom prst="rect">
+            <a:avLst/>
+          </a:prstGeom>
+          <a:noFill/>
+        </p:spPr>
+        <p:txBody>
+          <a:bodyPr wrap="square" rtlCol="0">
+            <a:spAutoFit/>
+          </a:bodyPr>
+          <a:lstStyle/>
+          <a:p>
+            <a:r>
+              <a:rPr lang="en-US" altLang="zh-CN" b="1" dirty="0"/>
+              <a:t>C</a:t>
+            </a:r>
+            <a:endParaRPr lang="zh-CN" altLang="en-US" b="1" dirty="0"/>
+          </a:p>
+        </p:txBody>
+      </p:sp>
+      <p:sp>
+        <p:nvSpPr>
+          <p:cNvPr id="50" name="文本框 49">
+            <a:extLst>
+              <a:ext uri="{FF2B5EF4-FFF2-40B4-BE49-F238E27FC236}">
+                <a16:creationId xmlns:a16="http://schemas.microsoft.com/office/drawing/2014/main" id="{90A6A600-B6DF-D193-39B4-CFCCD6BF8D46}"/>
+              </a:ext>
+            </a:extLst>
+          </p:cNvPr>
+          <p:cNvSpPr txBox="1"/>
+          <p:nvPr/>
+        </p:nvSpPr>
+        <p:spPr>
+          <a:xfrm>
+            <a:off x="7732703" y="2179606"/>
+            <a:ext cx="718457" cy="369332"/>
+          </a:xfrm>
+          <a:prstGeom prst="rect">
+            <a:avLst/>
+          </a:prstGeom>
+          <a:noFill/>
+        </p:spPr>
+        <p:txBody>
+          <a:bodyPr wrap="square" rtlCol="0">
+            <a:spAutoFit/>
+          </a:bodyPr>
+          <a:lstStyle/>
+          <a:p>
+            <a:r>
+              <a:rPr lang="en-US" altLang="zh-CN" b="1" dirty="0"/>
+              <a:t>1</a:t>
+            </a:r>
+            <a:endParaRPr lang="zh-CN" altLang="en-US" b="1" dirty="0"/>
+          </a:p>
+        </p:txBody>
+      </p:sp>
+      <p:sp>
+        <p:nvSpPr>
+          <p:cNvPr id="57" name="文本框 56">
+            <a:extLst>
+              <a:ext uri="{FF2B5EF4-FFF2-40B4-BE49-F238E27FC236}">
+                <a16:creationId xmlns:a16="http://schemas.microsoft.com/office/drawing/2014/main" id="{EFAE53C7-4226-790B-198C-2AEB8B31001B}"/>
+              </a:ext>
+            </a:extLst>
+          </p:cNvPr>
+          <p:cNvSpPr txBox="1"/>
+          <p:nvPr/>
+        </p:nvSpPr>
+        <p:spPr>
+          <a:xfrm>
+            <a:off x="1614939" y="387724"/>
+            <a:ext cx="1668915" cy="369332"/>
+          </a:xfrm>
+          <a:prstGeom prst="rect">
+            <a:avLst/>
+          </a:prstGeom>
+          <a:noFill/>
+        </p:spPr>
+        <p:txBody>
+          <a:bodyPr wrap="square" rtlCol="0">
+            <a:spAutoFit/>
+          </a:bodyPr>
+          <a:lstStyle/>
+          <a:p>
+            <a:r>
+              <a:rPr lang="en-US" altLang="zh-CN" b="1" dirty="0"/>
+              <a:t>n = 4</a:t>
+            </a:r>
+            <a:endParaRPr lang="zh-CN" altLang="en-US" b="1" dirty="0"/>
+          </a:p>
+        </p:txBody>
+      </p:sp>
+      <p:sp>
+        <p:nvSpPr>
+          <p:cNvPr id="68" name="矩形 67">
+            <a:extLst>
+              <a:ext uri="{FF2B5EF4-FFF2-40B4-BE49-F238E27FC236}">
+                <a16:creationId xmlns:a16="http://schemas.microsoft.com/office/drawing/2014/main" id="{17089766-1C04-D39E-3F71-4002F52A97B3}"/>
+              </a:ext>
+            </a:extLst>
+          </p:cNvPr>
+          <p:cNvSpPr/>
+          <p:nvPr/>
+        </p:nvSpPr>
+        <p:spPr>
+          <a:xfrm>
+            <a:off x="5649470" y="2304198"/>
+            <a:ext cx="1241403" cy="324726"/>
+          </a:xfrm>
+          <a:prstGeom prst="rect">
+            <a:avLst/>
+          </a:prstGeom>
+          <a:noFill/>
+          <a:ln w="12700">
+            <a:solidFill>
+              <a:schemeClr val="tx1"/>
+            </a:solidFill>
+          </a:ln>
+        </p:spPr>
+        <p:style>
+          <a:lnRef idx="2">
+            <a:schemeClr val="accent1">
+              <a:shade val="50000"/>
+            </a:schemeClr>
+          </a:lnRef>
+          <a:fillRef idx="1">
+            <a:schemeClr val="accent1"/>
+          </a:fillRef>
+          <a:effectRef idx="0">
+            <a:schemeClr val="accent1"/>
+          </a:effectRef>
+          <a:fontRef idx="minor">
+            <a:schemeClr val="lt1"/>
+          </a:fontRef>
+        </p:style>
+        <p:txBody>
+          <a:bodyPr rtlCol="0" anchor="ctr"/>
+          <a:lstStyle/>
+          <a:p>
+            <a:pPr algn="ctr"/>
+            <a:endParaRPr lang="zh-CN" altLang="en-US">
+              <a:solidFill>
+                <a:srgbClr val="FF0000"/>
+              </a:solidFill>
+            </a:endParaRPr>
+          </a:p>
+        </p:txBody>
+      </p:sp>
+      <p:sp>
+        <p:nvSpPr>
+          <p:cNvPr id="4" name="文本框 3">
+            <a:extLst>
+              <a:ext uri="{FF2B5EF4-FFF2-40B4-BE49-F238E27FC236}">
+                <a16:creationId xmlns:a16="http://schemas.microsoft.com/office/drawing/2014/main" id="{98921F94-6B8A-88AD-A8BE-D28E864C24B6}"/>
+              </a:ext>
+            </a:extLst>
+          </p:cNvPr>
+          <p:cNvSpPr txBox="1"/>
+          <p:nvPr/>
+        </p:nvSpPr>
+        <p:spPr>
+          <a:xfrm>
+            <a:off x="843640" y="5671939"/>
+            <a:ext cx="9323618" cy="1200329"/>
+          </a:xfrm>
+          <a:prstGeom prst="rect">
+            <a:avLst/>
+          </a:prstGeom>
+          <a:noFill/>
+        </p:spPr>
+        <p:txBody>
+          <a:bodyPr wrap="square" rtlCol="0">
+            <a:spAutoFit/>
+          </a:bodyPr>
+          <a:lstStyle/>
+          <a:p>
+            <a:r>
+              <a:rPr lang="en-US" altLang="zh-CN" b="1" dirty="0"/>
+              <a:t>1: A-&gt;C		2: A-&gt;B		1: C-&gt;B		3:A-&gt;C		1:B-&gt;C</a:t>
+            </a:r>
+          </a:p>
+          <a:p>
+            <a:r>
+              <a:rPr lang="en-US" altLang="zh-CN" b="1" dirty="0"/>
+              <a:t>2: B-&gt;A		1: C-&gt;B		2: A-&gt;C		1: B-&gt;C		4:A-&gt;B</a:t>
+            </a:r>
+          </a:p>
+          <a:p>
+            <a:r>
+              <a:rPr lang="en-US" altLang="zh-CN" b="1" dirty="0"/>
+              <a:t>1: C-&gt;B		2: C-&gt;A		1:B-&gt;A		3: C-&gt;B		1:A-&gt;C</a:t>
+            </a:r>
+          </a:p>
+          <a:p>
+            <a:r>
+              <a:rPr lang="en-US" altLang="zh-CN" b="1" dirty="0"/>
+              <a:t>2: A-&gt;B		1: C-&gt;A</a:t>
+            </a:r>
+            <a:endParaRPr lang="zh-CN" altLang="en-US" b="1" dirty="0"/>
+          </a:p>
+        </p:txBody>
+      </p:sp>
+      <p:sp>
+        <p:nvSpPr>
+          <p:cNvPr id="5" name="矩形 4">
+            <a:extLst>
+              <a:ext uri="{FF2B5EF4-FFF2-40B4-BE49-F238E27FC236}">
+                <a16:creationId xmlns:a16="http://schemas.microsoft.com/office/drawing/2014/main" id="{6538C5A1-CA7A-6305-04DC-96D95D56B867}"/>
+              </a:ext>
+            </a:extLst>
+          </p:cNvPr>
+          <p:cNvSpPr/>
+          <p:nvPr/>
+        </p:nvSpPr>
+        <p:spPr>
+          <a:xfrm>
+            <a:off x="5552174" y="2641906"/>
+            <a:ext cx="1548479" cy="461665"/>
+          </a:xfrm>
+          <a:prstGeom prst="rect">
+            <a:avLst/>
+          </a:prstGeom>
+          <a:noFill/>
+          <a:ln w="12700">
+            <a:solidFill>
+              <a:schemeClr val="tx1"/>
+            </a:solidFill>
+          </a:ln>
+        </p:spPr>
+        <p:style>
+          <a:lnRef idx="2">
+            <a:schemeClr val="accent1">
+              <a:shade val="50000"/>
+            </a:schemeClr>
+          </a:lnRef>
+          <a:fillRef idx="1">
+            <a:schemeClr val="accent1"/>
+          </a:fillRef>
+          <a:effectRef idx="0">
+            <a:schemeClr val="accent1"/>
+          </a:effectRef>
+          <a:fontRef idx="minor">
+            <a:schemeClr val="lt1"/>
+          </a:fontRef>
+        </p:style>
+        <p:txBody>
+          <a:bodyPr rtlCol="0" anchor="ctr"/>
+          <a:lstStyle/>
+          <a:p>
+            <a:pPr algn="ctr"/>
+            <a:endParaRPr lang="zh-CN" altLang="en-US"/>
+          </a:p>
+        </p:txBody>
+      </p:sp>
+      <p:sp>
+        <p:nvSpPr>
+          <p:cNvPr id="6" name="矩形 5">
+            <a:extLst>
+              <a:ext uri="{FF2B5EF4-FFF2-40B4-BE49-F238E27FC236}">
+                <a16:creationId xmlns:a16="http://schemas.microsoft.com/office/drawing/2014/main" id="{5BC1AA34-2CBE-6942-0845-97FEC716307E}"/>
+              </a:ext>
+            </a:extLst>
+          </p:cNvPr>
+          <p:cNvSpPr/>
+          <p:nvPr/>
+        </p:nvSpPr>
+        <p:spPr>
+          <a:xfrm>
+            <a:off x="5043715" y="3581856"/>
+            <a:ext cx="2590795" cy="557013"/>
+          </a:xfrm>
+          <a:prstGeom prst="rect">
+            <a:avLst/>
+          </a:prstGeom>
+          <a:noFill/>
+          <a:ln w="12700">
+            <a:solidFill>
+              <a:schemeClr val="tx1"/>
+            </a:solidFill>
+          </a:ln>
+        </p:spPr>
+        <p:style>
+          <a:lnRef idx="2">
+            <a:schemeClr val="accent1">
+              <a:shade val="50000"/>
+            </a:schemeClr>
+          </a:lnRef>
+          <a:fillRef idx="1">
+            <a:schemeClr val="accent1"/>
+          </a:fillRef>
+          <a:effectRef idx="0">
+            <a:schemeClr val="accent1"/>
+          </a:effectRef>
+          <a:fontRef idx="minor">
+            <a:schemeClr val="lt1"/>
+          </a:fontRef>
+        </p:style>
+        <p:txBody>
+          <a:bodyPr rtlCol="0" anchor="ctr"/>
+          <a:lstStyle/>
+          <a:p>
+            <a:pPr algn="ctr"/>
+            <a:endParaRPr lang="zh-CN" altLang="en-US"/>
+          </a:p>
+        </p:txBody>
+      </p:sp>
+    </p:spTree>
+    <p:extLst>
+      <p:ext uri="{BB962C8B-B14F-4D97-AF65-F5344CB8AC3E}">
+        <p14:creationId xmlns:p14="http://schemas.microsoft.com/office/powerpoint/2010/main" val="3956073799"/>
       </p:ext>
     </p:extLst>
   </p:cSld>

--- a/document/算法演示图/03Queue/Queue.pptx
+++ b/document/算法演示图/03Queue/Queue.pptx
@@ -203,7 +203,7 @@
           <a:p>
             <a:fld id="{069F6A5D-7071-4BBD-ABFA-3BC2EFE3B7E8}" type="datetimeFigureOut">
               <a:rPr lang="zh-CN" altLang="en-US" smtClean="0"/>
-              <a:t>2022/10/30</a:t>
+              <a:t>2022/11/1</a:t>
             </a:fld>
             <a:endParaRPr lang="zh-CN" altLang="en-US"/>
           </a:p>
@@ -953,7 +953,7 @@
           <a:p>
             <a:fld id="{4738DF8C-AB66-46F2-B889-519B6EBDEA58}" type="datetimeFigureOut">
               <a:rPr lang="zh-CN" altLang="en-US" smtClean="0"/>
-              <a:t>2022/10/30</a:t>
+              <a:t>2022/11/1</a:t>
             </a:fld>
             <a:endParaRPr lang="zh-CN" altLang="en-US"/>
           </a:p>
@@ -1151,7 +1151,7 @@
           <a:p>
             <a:fld id="{4738DF8C-AB66-46F2-B889-519B6EBDEA58}" type="datetimeFigureOut">
               <a:rPr lang="zh-CN" altLang="en-US" smtClean="0"/>
-              <a:t>2022/10/30</a:t>
+              <a:t>2022/11/1</a:t>
             </a:fld>
             <a:endParaRPr lang="zh-CN" altLang="en-US"/>
           </a:p>
@@ -1359,7 +1359,7 @@
           <a:p>
             <a:fld id="{4738DF8C-AB66-46F2-B889-519B6EBDEA58}" type="datetimeFigureOut">
               <a:rPr lang="zh-CN" altLang="en-US" smtClean="0"/>
-              <a:t>2022/10/30</a:t>
+              <a:t>2022/11/1</a:t>
             </a:fld>
             <a:endParaRPr lang="zh-CN" altLang="en-US"/>
           </a:p>
@@ -1557,7 +1557,7 @@
           <a:p>
             <a:fld id="{4738DF8C-AB66-46F2-B889-519B6EBDEA58}" type="datetimeFigureOut">
               <a:rPr lang="zh-CN" altLang="en-US" smtClean="0"/>
-              <a:t>2022/10/30</a:t>
+              <a:t>2022/11/1</a:t>
             </a:fld>
             <a:endParaRPr lang="zh-CN" altLang="en-US"/>
           </a:p>
@@ -1832,7 +1832,7 @@
           <a:p>
             <a:fld id="{4738DF8C-AB66-46F2-B889-519B6EBDEA58}" type="datetimeFigureOut">
               <a:rPr lang="zh-CN" altLang="en-US" smtClean="0"/>
-              <a:t>2022/10/30</a:t>
+              <a:t>2022/11/1</a:t>
             </a:fld>
             <a:endParaRPr lang="zh-CN" altLang="en-US"/>
           </a:p>
@@ -2097,7 +2097,7 @@
           <a:p>
             <a:fld id="{4738DF8C-AB66-46F2-B889-519B6EBDEA58}" type="datetimeFigureOut">
               <a:rPr lang="zh-CN" altLang="en-US" smtClean="0"/>
-              <a:t>2022/10/30</a:t>
+              <a:t>2022/11/1</a:t>
             </a:fld>
             <a:endParaRPr lang="zh-CN" altLang="en-US"/>
           </a:p>
@@ -2509,7 +2509,7 @@
           <a:p>
             <a:fld id="{4738DF8C-AB66-46F2-B889-519B6EBDEA58}" type="datetimeFigureOut">
               <a:rPr lang="zh-CN" altLang="en-US" smtClean="0"/>
-              <a:t>2022/10/30</a:t>
+              <a:t>2022/11/1</a:t>
             </a:fld>
             <a:endParaRPr lang="zh-CN" altLang="en-US"/>
           </a:p>
@@ -2650,7 +2650,7 @@
           <a:p>
             <a:fld id="{4738DF8C-AB66-46F2-B889-519B6EBDEA58}" type="datetimeFigureOut">
               <a:rPr lang="zh-CN" altLang="en-US" smtClean="0"/>
-              <a:t>2022/10/30</a:t>
+              <a:t>2022/11/1</a:t>
             </a:fld>
             <a:endParaRPr lang="zh-CN" altLang="en-US"/>
           </a:p>
@@ -2763,7 +2763,7 @@
           <a:p>
             <a:fld id="{4738DF8C-AB66-46F2-B889-519B6EBDEA58}" type="datetimeFigureOut">
               <a:rPr lang="zh-CN" altLang="en-US" smtClean="0"/>
-              <a:t>2022/10/30</a:t>
+              <a:t>2022/11/1</a:t>
             </a:fld>
             <a:endParaRPr lang="zh-CN" altLang="en-US"/>
           </a:p>
@@ -3074,7 +3074,7 @@
           <a:p>
             <a:fld id="{4738DF8C-AB66-46F2-B889-519B6EBDEA58}" type="datetimeFigureOut">
               <a:rPr lang="zh-CN" altLang="en-US" smtClean="0"/>
-              <a:t>2022/10/30</a:t>
+              <a:t>2022/11/1</a:t>
             </a:fld>
             <a:endParaRPr lang="zh-CN" altLang="en-US"/>
           </a:p>
@@ -3362,7 +3362,7 @@
           <a:p>
             <a:fld id="{4738DF8C-AB66-46F2-B889-519B6EBDEA58}" type="datetimeFigureOut">
               <a:rPr lang="zh-CN" altLang="en-US" smtClean="0"/>
-              <a:t>2022/10/30</a:t>
+              <a:t>2022/11/1</a:t>
             </a:fld>
             <a:endParaRPr lang="zh-CN" altLang="en-US"/>
           </a:p>
@@ -3603,7 +3603,7 @@
           <a:p>
             <a:fld id="{4738DF8C-AB66-46F2-B889-519B6EBDEA58}" type="datetimeFigureOut">
               <a:rPr lang="zh-CN" altLang="en-US" smtClean="0"/>
-              <a:t>2022/10/30</a:t>
+              <a:t>2022/11/1</a:t>
             </a:fld>
             <a:endParaRPr lang="zh-CN" altLang="en-US"/>
           </a:p>
@@ -10604,7 +10604,7 @@
         </p:nvSpPr>
         <p:spPr>
           <a:xfrm>
-            <a:off x="9586690" y="3790312"/>
+            <a:off x="1070430" y="3734491"/>
             <a:ext cx="2213424" cy="422203"/>
           </a:xfrm>
           <a:prstGeom prst="rect">
@@ -10656,7 +10656,7 @@
         </p:nvSpPr>
         <p:spPr>
           <a:xfrm>
-            <a:off x="5534521" y="3790312"/>
+            <a:off x="5547054" y="3790628"/>
             <a:ext cx="1548476" cy="345927"/>
           </a:xfrm>
           <a:prstGeom prst="rect">
@@ -10696,10 +10696,460 @@
       </p:sp>
       <p:sp>
         <p:nvSpPr>
-          <p:cNvPr id="20" name="矩形 19">
-            <a:extLst>
-              <a:ext uri="{FF2B5EF4-FFF2-40B4-BE49-F238E27FC236}">
-                <a16:creationId xmlns:a16="http://schemas.microsoft.com/office/drawing/2014/main" id="{17D9CAE9-BFE5-CBD0-1FB1-B09129E9DAAD}"/>
+          <p:cNvPr id="33" name="文本框 32">
+            <a:extLst>
+              <a:ext uri="{FF2B5EF4-FFF2-40B4-BE49-F238E27FC236}">
+                <a16:creationId xmlns:a16="http://schemas.microsoft.com/office/drawing/2014/main" id="{84845D12-B874-D6A7-8533-DA8D73A70E83}"/>
+              </a:ext>
+            </a:extLst>
+          </p:cNvPr>
+          <p:cNvSpPr txBox="1"/>
+          <p:nvPr/>
+        </p:nvSpPr>
+        <p:spPr>
+          <a:xfrm>
+            <a:off x="3554856" y="3758189"/>
+            <a:ext cx="718457" cy="369332"/>
+          </a:xfrm>
+          <a:prstGeom prst="rect">
+            <a:avLst/>
+          </a:prstGeom>
+          <a:noFill/>
+        </p:spPr>
+        <p:txBody>
+          <a:bodyPr wrap="square" rtlCol="0">
+            <a:spAutoFit/>
+          </a:bodyPr>
+          <a:lstStyle/>
+          <a:p>
+            <a:r>
+              <a:rPr lang="en-US" altLang="zh-CN" b="1" dirty="0"/>
+              <a:t>3</a:t>
+            </a:r>
+            <a:endParaRPr lang="zh-CN" altLang="en-US" b="1" dirty="0"/>
+          </a:p>
+        </p:txBody>
+      </p:sp>
+      <p:sp>
+        <p:nvSpPr>
+          <p:cNvPr id="34" name="文本框 33">
+            <a:extLst>
+              <a:ext uri="{FF2B5EF4-FFF2-40B4-BE49-F238E27FC236}">
+                <a16:creationId xmlns:a16="http://schemas.microsoft.com/office/drawing/2014/main" id="{F8F3EC1A-D157-8EB2-7745-8A8952A44EC9}"/>
+              </a:ext>
+            </a:extLst>
+          </p:cNvPr>
+          <p:cNvSpPr txBox="1"/>
+          <p:nvPr/>
+        </p:nvSpPr>
+        <p:spPr>
+          <a:xfrm>
+            <a:off x="3340690" y="3355735"/>
+            <a:ext cx="718457" cy="369332"/>
+          </a:xfrm>
+          <a:prstGeom prst="rect">
+            <a:avLst/>
+          </a:prstGeom>
+          <a:noFill/>
+        </p:spPr>
+        <p:txBody>
+          <a:bodyPr wrap="square" rtlCol="0">
+            <a:spAutoFit/>
+          </a:bodyPr>
+          <a:lstStyle/>
+          <a:p>
+            <a:r>
+              <a:rPr lang="en-US" altLang="zh-CN" b="1" dirty="0"/>
+              <a:t>2</a:t>
+            </a:r>
+            <a:endParaRPr lang="zh-CN" altLang="en-US" b="1" dirty="0"/>
+          </a:p>
+        </p:txBody>
+      </p:sp>
+      <p:sp>
+        <p:nvSpPr>
+          <p:cNvPr id="35" name="文本框 34">
+            <a:extLst>
+              <a:ext uri="{FF2B5EF4-FFF2-40B4-BE49-F238E27FC236}">
+                <a16:creationId xmlns:a16="http://schemas.microsoft.com/office/drawing/2014/main" id="{753ADA53-1603-1F6E-17DE-942A9D0DD6F7}"/>
+              </a:ext>
+            </a:extLst>
+          </p:cNvPr>
+          <p:cNvSpPr txBox="1"/>
+          <p:nvPr/>
+        </p:nvSpPr>
+        <p:spPr>
+          <a:xfrm>
+            <a:off x="7530634" y="3446685"/>
+            <a:ext cx="718457" cy="369332"/>
+          </a:xfrm>
+          <a:prstGeom prst="rect">
+            <a:avLst/>
+          </a:prstGeom>
+          <a:noFill/>
+        </p:spPr>
+        <p:txBody>
+          <a:bodyPr wrap="square" rtlCol="0">
+            <a:spAutoFit/>
+          </a:bodyPr>
+          <a:lstStyle/>
+          <a:p>
+            <a:r>
+              <a:rPr lang="en-US" altLang="zh-CN" b="1" dirty="0"/>
+              <a:t>1</a:t>
+            </a:r>
+            <a:endParaRPr lang="zh-CN" altLang="en-US" b="1" dirty="0"/>
+          </a:p>
+        </p:txBody>
+      </p:sp>
+      <p:cxnSp>
+        <p:nvCxnSpPr>
+          <p:cNvPr id="36" name="直接连接符 35">
+            <a:extLst>
+              <a:ext uri="{FF2B5EF4-FFF2-40B4-BE49-F238E27FC236}">
+                <a16:creationId xmlns:a16="http://schemas.microsoft.com/office/drawing/2014/main" id="{4FFA0EF7-CDDE-7735-A782-8267C90AD3B7}"/>
+              </a:ext>
+            </a:extLst>
+          </p:cNvPr>
+          <p:cNvCxnSpPr>
+            <a:cxnSpLocks/>
+          </p:cNvCxnSpPr>
+          <p:nvPr/>
+        </p:nvCxnSpPr>
+        <p:spPr>
+          <a:xfrm>
+            <a:off x="6270172" y="2037089"/>
+            <a:ext cx="0" cy="2124947"/>
+          </a:xfrm>
+          <a:prstGeom prst="line">
+            <a:avLst/>
+          </a:prstGeom>
+          <a:ln w="28575"/>
+        </p:spPr>
+        <p:style>
+          <a:lnRef idx="1">
+            <a:schemeClr val="accent1"/>
+          </a:lnRef>
+          <a:fillRef idx="0">
+            <a:schemeClr val="accent1"/>
+          </a:fillRef>
+          <a:effectRef idx="0">
+            <a:schemeClr val="accent1"/>
+          </a:effectRef>
+          <a:fontRef idx="minor">
+            <a:schemeClr val="tx1"/>
+          </a:fontRef>
+        </p:style>
+      </p:cxnSp>
+      <p:cxnSp>
+        <p:nvCxnSpPr>
+          <p:cNvPr id="37" name="直接连接符 36">
+            <a:extLst>
+              <a:ext uri="{FF2B5EF4-FFF2-40B4-BE49-F238E27FC236}">
+                <a16:creationId xmlns:a16="http://schemas.microsoft.com/office/drawing/2014/main" id="{93C3C61F-E698-CE14-CC97-BF42BF2E58DC}"/>
+              </a:ext>
+            </a:extLst>
+          </p:cNvPr>
+          <p:cNvCxnSpPr>
+            <a:cxnSpLocks/>
+          </p:cNvCxnSpPr>
+          <p:nvPr/>
+        </p:nvCxnSpPr>
+        <p:spPr>
+          <a:xfrm>
+            <a:off x="5011056" y="4138869"/>
+            <a:ext cx="2656114" cy="23167"/>
+          </a:xfrm>
+          <a:prstGeom prst="line">
+            <a:avLst/>
+          </a:prstGeom>
+          <a:ln w="28575"/>
+        </p:spPr>
+        <p:style>
+          <a:lnRef idx="1">
+            <a:schemeClr val="accent1"/>
+          </a:lnRef>
+          <a:fillRef idx="0">
+            <a:schemeClr val="accent1"/>
+          </a:fillRef>
+          <a:effectRef idx="0">
+            <a:schemeClr val="accent1"/>
+          </a:effectRef>
+          <a:fontRef idx="minor">
+            <a:schemeClr val="tx1"/>
+          </a:fontRef>
+        </p:style>
+      </p:cxnSp>
+      <p:cxnSp>
+        <p:nvCxnSpPr>
+          <p:cNvPr id="44" name="直接连接符 43">
+            <a:extLst>
+              <a:ext uri="{FF2B5EF4-FFF2-40B4-BE49-F238E27FC236}">
+                <a16:creationId xmlns:a16="http://schemas.microsoft.com/office/drawing/2014/main" id="{AC2BD9AD-3C64-4C79-73C6-C74C09DDFCE6}"/>
+              </a:ext>
+            </a:extLst>
+          </p:cNvPr>
+          <p:cNvCxnSpPr>
+            <a:cxnSpLocks/>
+          </p:cNvCxnSpPr>
+          <p:nvPr/>
+        </p:nvCxnSpPr>
+        <p:spPr>
+          <a:xfrm>
+            <a:off x="10450285" y="2047910"/>
+            <a:ext cx="0" cy="2124947"/>
+          </a:xfrm>
+          <a:prstGeom prst="line">
+            <a:avLst/>
+          </a:prstGeom>
+          <a:ln w="28575"/>
+        </p:spPr>
+        <p:style>
+          <a:lnRef idx="1">
+            <a:schemeClr val="accent1"/>
+          </a:lnRef>
+          <a:fillRef idx="0">
+            <a:schemeClr val="accent1"/>
+          </a:fillRef>
+          <a:effectRef idx="0">
+            <a:schemeClr val="accent1"/>
+          </a:effectRef>
+          <a:fontRef idx="minor">
+            <a:schemeClr val="tx1"/>
+          </a:fontRef>
+        </p:style>
+      </p:cxnSp>
+      <p:cxnSp>
+        <p:nvCxnSpPr>
+          <p:cNvPr id="45" name="直接连接符 44">
+            <a:extLst>
+              <a:ext uri="{FF2B5EF4-FFF2-40B4-BE49-F238E27FC236}">
+                <a16:creationId xmlns:a16="http://schemas.microsoft.com/office/drawing/2014/main" id="{38F8E53A-679F-EE83-607D-8552CBFE3C52}"/>
+              </a:ext>
+            </a:extLst>
+          </p:cNvPr>
+          <p:cNvCxnSpPr>
+            <a:cxnSpLocks/>
+          </p:cNvCxnSpPr>
+          <p:nvPr/>
+        </p:nvCxnSpPr>
+        <p:spPr>
+          <a:xfrm>
+            <a:off x="9151257" y="4163363"/>
+            <a:ext cx="2648857" cy="9494"/>
+          </a:xfrm>
+          <a:prstGeom prst="line">
+            <a:avLst/>
+          </a:prstGeom>
+          <a:ln w="28575"/>
+        </p:spPr>
+        <p:style>
+          <a:lnRef idx="1">
+            <a:schemeClr val="accent1"/>
+          </a:lnRef>
+          <a:fillRef idx="0">
+            <a:schemeClr val="accent1"/>
+          </a:fillRef>
+          <a:effectRef idx="0">
+            <a:schemeClr val="accent1"/>
+          </a:effectRef>
+          <a:fontRef idx="minor">
+            <a:schemeClr val="tx1"/>
+          </a:fontRef>
+        </p:style>
+      </p:cxnSp>
+      <p:sp>
+        <p:nvSpPr>
+          <p:cNvPr id="46" name="文本框 45">
+            <a:extLst>
+              <a:ext uri="{FF2B5EF4-FFF2-40B4-BE49-F238E27FC236}">
+                <a16:creationId xmlns:a16="http://schemas.microsoft.com/office/drawing/2014/main" id="{1C5A9D4D-0924-58CD-34A5-749627584D8C}"/>
+              </a:ext>
+            </a:extLst>
+          </p:cNvPr>
+          <p:cNvSpPr txBox="1"/>
+          <p:nvPr/>
+        </p:nvSpPr>
+        <p:spPr>
+          <a:xfrm>
+            <a:off x="1841500" y="4527392"/>
+            <a:ext cx="718457" cy="369332"/>
+          </a:xfrm>
+          <a:prstGeom prst="rect">
+            <a:avLst/>
+          </a:prstGeom>
+          <a:noFill/>
+        </p:spPr>
+        <p:txBody>
+          <a:bodyPr wrap="square" rtlCol="0">
+            <a:spAutoFit/>
+          </a:bodyPr>
+          <a:lstStyle/>
+          <a:p>
+            <a:r>
+              <a:rPr lang="en-US" altLang="zh-CN" b="1" dirty="0"/>
+              <a:t>A</a:t>
+            </a:r>
+            <a:endParaRPr lang="zh-CN" altLang="en-US" b="1" dirty="0"/>
+          </a:p>
+        </p:txBody>
+      </p:sp>
+      <p:sp>
+        <p:nvSpPr>
+          <p:cNvPr id="47" name="文本框 46">
+            <a:extLst>
+              <a:ext uri="{FF2B5EF4-FFF2-40B4-BE49-F238E27FC236}">
+                <a16:creationId xmlns:a16="http://schemas.microsoft.com/office/drawing/2014/main" id="{84ECCA60-1AFC-379D-9CEB-D36A5F8A05C8}"/>
+              </a:ext>
+            </a:extLst>
+          </p:cNvPr>
+          <p:cNvSpPr txBox="1"/>
+          <p:nvPr/>
+        </p:nvSpPr>
+        <p:spPr>
+          <a:xfrm>
+            <a:off x="5972627" y="4527478"/>
+            <a:ext cx="718457" cy="369332"/>
+          </a:xfrm>
+          <a:prstGeom prst="rect">
+            <a:avLst/>
+          </a:prstGeom>
+          <a:noFill/>
+        </p:spPr>
+        <p:txBody>
+          <a:bodyPr wrap="square" rtlCol="0">
+            <a:spAutoFit/>
+          </a:bodyPr>
+          <a:lstStyle/>
+          <a:p>
+            <a:r>
+              <a:rPr lang="en-US" altLang="zh-CN" b="1" dirty="0"/>
+              <a:t>B</a:t>
+            </a:r>
+            <a:endParaRPr lang="zh-CN" altLang="en-US" b="1" dirty="0"/>
+          </a:p>
+        </p:txBody>
+      </p:sp>
+      <p:sp>
+        <p:nvSpPr>
+          <p:cNvPr id="48" name="文本框 47">
+            <a:extLst>
+              <a:ext uri="{FF2B5EF4-FFF2-40B4-BE49-F238E27FC236}">
+                <a16:creationId xmlns:a16="http://schemas.microsoft.com/office/drawing/2014/main" id="{C5058123-D286-9466-28A6-BA4D2B1300E6}"/>
+              </a:ext>
+            </a:extLst>
+          </p:cNvPr>
+          <p:cNvSpPr txBox="1"/>
+          <p:nvPr/>
+        </p:nvSpPr>
+        <p:spPr>
+          <a:xfrm>
+            <a:off x="10276113" y="4527392"/>
+            <a:ext cx="718457" cy="369332"/>
+          </a:xfrm>
+          <a:prstGeom prst="rect">
+            <a:avLst/>
+          </a:prstGeom>
+          <a:noFill/>
+        </p:spPr>
+        <p:txBody>
+          <a:bodyPr wrap="square" rtlCol="0">
+            <a:spAutoFit/>
+          </a:bodyPr>
+          <a:lstStyle/>
+          <a:p>
+            <a:r>
+              <a:rPr lang="en-US" altLang="zh-CN" b="1" dirty="0"/>
+              <a:t>C</a:t>
+            </a:r>
+            <a:endParaRPr lang="zh-CN" altLang="en-US" b="1" dirty="0"/>
+          </a:p>
+        </p:txBody>
+      </p:sp>
+      <p:sp>
+        <p:nvSpPr>
+          <p:cNvPr id="57" name="文本框 56">
+            <a:extLst>
+              <a:ext uri="{FF2B5EF4-FFF2-40B4-BE49-F238E27FC236}">
+                <a16:creationId xmlns:a16="http://schemas.microsoft.com/office/drawing/2014/main" id="{EFAE53C7-4226-790B-198C-2AEB8B31001B}"/>
+              </a:ext>
+            </a:extLst>
+          </p:cNvPr>
+          <p:cNvSpPr txBox="1"/>
+          <p:nvPr/>
+        </p:nvSpPr>
+        <p:spPr>
+          <a:xfrm>
+            <a:off x="1614939" y="387724"/>
+            <a:ext cx="1668915" cy="369332"/>
+          </a:xfrm>
+          <a:prstGeom prst="rect">
+            <a:avLst/>
+          </a:prstGeom>
+          <a:noFill/>
+        </p:spPr>
+        <p:txBody>
+          <a:bodyPr wrap="square" rtlCol="0">
+            <a:spAutoFit/>
+          </a:bodyPr>
+          <a:lstStyle/>
+          <a:p>
+            <a:r>
+              <a:rPr lang="en-US" altLang="zh-CN" b="1" dirty="0"/>
+              <a:t>n = 4</a:t>
+            </a:r>
+            <a:endParaRPr lang="zh-CN" altLang="en-US" b="1" dirty="0"/>
+          </a:p>
+        </p:txBody>
+      </p:sp>
+      <p:sp>
+        <p:nvSpPr>
+          <p:cNvPr id="71" name="文本框 70">
+            <a:extLst>
+              <a:ext uri="{FF2B5EF4-FFF2-40B4-BE49-F238E27FC236}">
+                <a16:creationId xmlns:a16="http://schemas.microsoft.com/office/drawing/2014/main" id="{1E886B6D-455E-7BE4-AA47-4EE4103B919E}"/>
+              </a:ext>
+            </a:extLst>
+          </p:cNvPr>
+          <p:cNvSpPr txBox="1"/>
+          <p:nvPr/>
+        </p:nvSpPr>
+        <p:spPr>
+          <a:xfrm>
+            <a:off x="2559957" y="386397"/>
+            <a:ext cx="11081657" cy="646331"/>
+          </a:xfrm>
+          <a:prstGeom prst="rect">
+            <a:avLst/>
+          </a:prstGeom>
+          <a:noFill/>
+        </p:spPr>
+        <p:txBody>
+          <a:bodyPr wrap="square" rtlCol="0">
+            <a:spAutoFit/>
+          </a:bodyPr>
+          <a:lstStyle/>
+          <a:p>
+            <a:r>
+              <a:rPr lang="en-US" altLang="zh-CN" b="1" dirty="0"/>
+              <a:t>1: A-&gt;C		2: A-&gt;B 		1:C-&gt;B 		3:A-&gt;C</a:t>
+            </a:r>
+          </a:p>
+          <a:p>
+            <a:r>
+              <a:rPr lang="en-US" altLang="zh-CN" b="1" dirty="0"/>
+              <a:t>1: B-&gt;A 		2: B-&gt;C		1:A-&gt;C</a:t>
+            </a:r>
+            <a:endParaRPr lang="zh-CN" altLang="en-US" b="1" dirty="0"/>
+          </a:p>
+        </p:txBody>
+      </p:sp>
+      <p:sp>
+        <p:nvSpPr>
+          <p:cNvPr id="2" name="矩形 1">
+            <a:extLst>
+              <a:ext uri="{FF2B5EF4-FFF2-40B4-BE49-F238E27FC236}">
+                <a16:creationId xmlns:a16="http://schemas.microsoft.com/office/drawing/2014/main" id="{AE5AC502-DDCC-C30C-DA94-E07A33C5AFF5}"/>
               </a:ext>
             </a:extLst>
           </p:cNvPr>
@@ -10708,8 +11158,8 @@
         </p:nvSpPr>
         <p:spPr>
           <a:xfrm>
-            <a:off x="1501998" y="3935867"/>
-            <a:ext cx="1098552" cy="243238"/>
+            <a:off x="1338860" y="3386528"/>
+            <a:ext cx="1548476" cy="345927"/>
           </a:xfrm>
           <a:prstGeom prst="rect">
             <a:avLst/>
@@ -10748,46 +11198,62 @@
       </p:sp>
       <p:sp>
         <p:nvSpPr>
-          <p:cNvPr id="33" name="文本框 32">
-            <a:extLst>
-              <a:ext uri="{FF2B5EF4-FFF2-40B4-BE49-F238E27FC236}">
-                <a16:creationId xmlns:a16="http://schemas.microsoft.com/office/drawing/2014/main" id="{84845D12-B874-D6A7-8533-DA8D73A70E83}"/>
-              </a:ext>
-            </a:extLst>
-          </p:cNvPr>
-          <p:cNvSpPr txBox="1"/>
+          <p:cNvPr id="4" name="矩形 3">
+            <a:extLst>
+              <a:ext uri="{FF2B5EF4-FFF2-40B4-BE49-F238E27FC236}">
+                <a16:creationId xmlns:a16="http://schemas.microsoft.com/office/drawing/2014/main" id="{9F8CF41F-3A41-59C5-6069-29FB358E162E}"/>
+              </a:ext>
+            </a:extLst>
+          </p:cNvPr>
+          <p:cNvSpPr/>
           <p:nvPr/>
         </p:nvSpPr>
         <p:spPr>
           <a:xfrm>
-            <a:off x="11941369" y="3841241"/>
-            <a:ext cx="718457" cy="369332"/>
+            <a:off x="5518972" y="3252820"/>
+            <a:ext cx="1098552" cy="243238"/>
           </a:xfrm>
           <a:prstGeom prst="rect">
             <a:avLst/>
           </a:prstGeom>
           <a:noFill/>
-        </p:spPr>
-        <p:txBody>
-          <a:bodyPr wrap="square" rtlCol="0">
-            <a:spAutoFit/>
-          </a:bodyPr>
-          <a:lstStyle/>
-          <a:p>
-            <a:r>
-              <a:rPr lang="en-US" altLang="zh-CN" b="1" dirty="0"/>
-              <a:t>3</a:t>
-            </a:r>
-            <a:endParaRPr lang="zh-CN" altLang="en-US" b="1" dirty="0"/>
-          </a:p>
-        </p:txBody>
-      </p:sp>
-      <p:sp>
-        <p:nvSpPr>
-          <p:cNvPr id="34" name="文本框 33">
-            <a:extLst>
-              <a:ext uri="{FF2B5EF4-FFF2-40B4-BE49-F238E27FC236}">
-                <a16:creationId xmlns:a16="http://schemas.microsoft.com/office/drawing/2014/main" id="{F8F3EC1A-D157-8EB2-7745-8A8952A44EC9}"/>
+          <a:ln w="12700">
+            <a:solidFill>
+              <a:schemeClr val="tx1"/>
+            </a:solidFill>
+          </a:ln>
+        </p:spPr>
+        <p:style>
+          <a:lnRef idx="2">
+            <a:schemeClr val="accent1">
+              <a:shade val="50000"/>
+            </a:schemeClr>
+          </a:lnRef>
+          <a:fillRef idx="1">
+            <a:schemeClr val="accent1"/>
+          </a:fillRef>
+          <a:effectRef idx="0">
+            <a:schemeClr val="accent1"/>
+          </a:effectRef>
+          <a:fontRef idx="minor">
+            <a:schemeClr val="lt1"/>
+          </a:fontRef>
+        </p:style>
+        <p:txBody>
+          <a:bodyPr rtlCol="0" anchor="ctr"/>
+          <a:lstStyle/>
+          <a:p>
+            <a:pPr algn="ctr"/>
+            <a:endParaRPr lang="zh-CN" altLang="en-US"/>
+          </a:p>
+        </p:txBody>
+      </p:sp>
+      <p:sp>
+        <p:nvSpPr>
+          <p:cNvPr id="5" name="文本框 4">
+            <a:extLst>
+              <a:ext uri="{FF2B5EF4-FFF2-40B4-BE49-F238E27FC236}">
+                <a16:creationId xmlns:a16="http://schemas.microsoft.com/office/drawing/2014/main" id="{6EC19516-C186-9401-50A3-63E0145344AA}"/>
               </a:ext>
             </a:extLst>
           </p:cNvPr>
@@ -10796,7 +11262,7 @@
         </p:nvSpPr>
         <p:spPr>
           <a:xfrm>
-            <a:off x="7606462" y="3772028"/>
+            <a:off x="3215723" y="3024831"/>
             <a:ext cx="718457" cy="369332"/>
           </a:xfrm>
           <a:prstGeom prst="rect">
@@ -10812,7 +11278,7 @@
           <a:p>
             <a:r>
               <a:rPr lang="en-US" altLang="zh-CN" b="1" dirty="0"/>
-              <a:t>2</a:t>
+              <a:t>1</a:t>
             </a:r>
             <a:endParaRPr lang="zh-CN" altLang="en-US" b="1" dirty="0"/>
           </a:p>
@@ -10820,379 +11286,53 @@
       </p:sp>
       <p:sp>
         <p:nvSpPr>
-          <p:cNvPr id="35" name="文本框 34">
-            <a:extLst>
-              <a:ext uri="{FF2B5EF4-FFF2-40B4-BE49-F238E27FC236}">
-                <a16:creationId xmlns:a16="http://schemas.microsoft.com/office/drawing/2014/main" id="{753ADA53-1603-1F6E-17DE-942A9D0DD6F7}"/>
-              </a:ext>
-            </a:extLst>
-          </p:cNvPr>
-          <p:cNvSpPr txBox="1"/>
+          <p:cNvPr id="6" name="矩形 5">
+            <a:extLst>
+              <a:ext uri="{FF2B5EF4-FFF2-40B4-BE49-F238E27FC236}">
+                <a16:creationId xmlns:a16="http://schemas.microsoft.com/office/drawing/2014/main" id="{C8451FCE-C663-A41B-01DC-13B10D97C872}"/>
+              </a:ext>
+            </a:extLst>
+          </p:cNvPr>
+          <p:cNvSpPr/>
           <p:nvPr/>
         </p:nvSpPr>
         <p:spPr>
           <a:xfrm>
-            <a:off x="3350303" y="3872820"/>
-            <a:ext cx="718457" cy="369332"/>
+            <a:off x="1530953" y="3122092"/>
+            <a:ext cx="1098552" cy="243238"/>
           </a:xfrm>
           <a:prstGeom prst="rect">
             <a:avLst/>
           </a:prstGeom>
           <a:noFill/>
-        </p:spPr>
-        <p:txBody>
-          <a:bodyPr wrap="square" rtlCol="0">
-            <a:spAutoFit/>
-          </a:bodyPr>
-          <a:lstStyle/>
-          <a:p>
-            <a:r>
-              <a:rPr lang="en-US" altLang="zh-CN" b="1" dirty="0"/>
-              <a:t>1</a:t>
-            </a:r>
-            <a:endParaRPr lang="zh-CN" altLang="en-US" b="1" dirty="0"/>
-          </a:p>
-        </p:txBody>
-      </p:sp>
-      <p:cxnSp>
-        <p:nvCxnSpPr>
-          <p:cNvPr id="36" name="直接连接符 35">
-            <a:extLst>
-              <a:ext uri="{FF2B5EF4-FFF2-40B4-BE49-F238E27FC236}">
-                <a16:creationId xmlns:a16="http://schemas.microsoft.com/office/drawing/2014/main" id="{4FFA0EF7-CDDE-7735-A782-8267C90AD3B7}"/>
-              </a:ext>
-            </a:extLst>
-          </p:cNvPr>
-          <p:cNvCxnSpPr>
-            <a:cxnSpLocks/>
-          </p:cNvCxnSpPr>
-          <p:nvPr/>
-        </p:nvCxnSpPr>
-        <p:spPr>
-          <a:xfrm>
-            <a:off x="6270172" y="2037089"/>
-            <a:ext cx="0" cy="2124947"/>
-          </a:xfrm>
-          <a:prstGeom prst="line">
-            <a:avLst/>
-          </a:prstGeom>
-          <a:ln w="28575"/>
+          <a:ln w="12700">
+            <a:solidFill>
+              <a:schemeClr val="tx1"/>
+            </a:solidFill>
+          </a:ln>
         </p:spPr>
         <p:style>
-          <a:lnRef idx="1">
-            <a:schemeClr val="accent1"/>
+          <a:lnRef idx="2">
+            <a:schemeClr val="accent1">
+              <a:shade val="50000"/>
+            </a:schemeClr>
           </a:lnRef>
-          <a:fillRef idx="0">
+          <a:fillRef idx="1">
             <a:schemeClr val="accent1"/>
           </a:fillRef>
           <a:effectRef idx="0">
             <a:schemeClr val="accent1"/>
           </a:effectRef>
           <a:fontRef idx="minor">
-            <a:schemeClr val="tx1"/>
+            <a:schemeClr val="lt1"/>
           </a:fontRef>
         </p:style>
-      </p:cxnSp>
-      <p:cxnSp>
-        <p:nvCxnSpPr>
-          <p:cNvPr id="37" name="直接连接符 36">
-            <a:extLst>
-              <a:ext uri="{FF2B5EF4-FFF2-40B4-BE49-F238E27FC236}">
-                <a16:creationId xmlns:a16="http://schemas.microsoft.com/office/drawing/2014/main" id="{93C3C61F-E698-CE14-CC97-BF42BF2E58DC}"/>
-              </a:ext>
-            </a:extLst>
-          </p:cNvPr>
-          <p:cNvCxnSpPr>
-            <a:cxnSpLocks/>
-          </p:cNvCxnSpPr>
-          <p:nvPr/>
-        </p:nvCxnSpPr>
-        <p:spPr>
-          <a:xfrm>
-            <a:off x="5011056" y="4138869"/>
-            <a:ext cx="2656114" cy="23167"/>
-          </a:xfrm>
-          <a:prstGeom prst="line">
-            <a:avLst/>
-          </a:prstGeom>
-          <a:ln w="28575"/>
-        </p:spPr>
-        <p:style>
-          <a:lnRef idx="1">
-            <a:schemeClr val="accent1"/>
-          </a:lnRef>
-          <a:fillRef idx="0">
-            <a:schemeClr val="accent1"/>
-          </a:fillRef>
-          <a:effectRef idx="0">
-            <a:schemeClr val="accent1"/>
-          </a:effectRef>
-          <a:fontRef idx="minor">
-            <a:schemeClr val="tx1"/>
-          </a:fontRef>
-        </p:style>
-      </p:cxnSp>
-      <p:cxnSp>
-        <p:nvCxnSpPr>
-          <p:cNvPr id="44" name="直接连接符 43">
-            <a:extLst>
-              <a:ext uri="{FF2B5EF4-FFF2-40B4-BE49-F238E27FC236}">
-                <a16:creationId xmlns:a16="http://schemas.microsoft.com/office/drawing/2014/main" id="{AC2BD9AD-3C64-4C79-73C6-C74C09DDFCE6}"/>
-              </a:ext>
-            </a:extLst>
-          </p:cNvPr>
-          <p:cNvCxnSpPr>
-            <a:cxnSpLocks/>
-          </p:cNvCxnSpPr>
-          <p:nvPr/>
-        </p:nvCxnSpPr>
-        <p:spPr>
-          <a:xfrm>
-            <a:off x="10450285" y="2047910"/>
-            <a:ext cx="0" cy="2124947"/>
-          </a:xfrm>
-          <a:prstGeom prst="line">
-            <a:avLst/>
-          </a:prstGeom>
-          <a:ln w="28575"/>
-        </p:spPr>
-        <p:style>
-          <a:lnRef idx="1">
-            <a:schemeClr val="accent1"/>
-          </a:lnRef>
-          <a:fillRef idx="0">
-            <a:schemeClr val="accent1"/>
-          </a:fillRef>
-          <a:effectRef idx="0">
-            <a:schemeClr val="accent1"/>
-          </a:effectRef>
-          <a:fontRef idx="minor">
-            <a:schemeClr val="tx1"/>
-          </a:fontRef>
-        </p:style>
-      </p:cxnSp>
-      <p:cxnSp>
-        <p:nvCxnSpPr>
-          <p:cNvPr id="45" name="直接连接符 44">
-            <a:extLst>
-              <a:ext uri="{FF2B5EF4-FFF2-40B4-BE49-F238E27FC236}">
-                <a16:creationId xmlns:a16="http://schemas.microsoft.com/office/drawing/2014/main" id="{38F8E53A-679F-EE83-607D-8552CBFE3C52}"/>
-              </a:ext>
-            </a:extLst>
-          </p:cNvPr>
-          <p:cNvCxnSpPr>
-            <a:cxnSpLocks/>
-          </p:cNvCxnSpPr>
-          <p:nvPr/>
-        </p:nvCxnSpPr>
-        <p:spPr>
-          <a:xfrm>
-            <a:off x="9151257" y="4163363"/>
-            <a:ext cx="2648857" cy="9494"/>
-          </a:xfrm>
-          <a:prstGeom prst="line">
-            <a:avLst/>
-          </a:prstGeom>
-          <a:ln w="28575"/>
-        </p:spPr>
-        <p:style>
-          <a:lnRef idx="1">
-            <a:schemeClr val="accent1"/>
-          </a:lnRef>
-          <a:fillRef idx="0">
-            <a:schemeClr val="accent1"/>
-          </a:fillRef>
-          <a:effectRef idx="0">
-            <a:schemeClr val="accent1"/>
-          </a:effectRef>
-          <a:fontRef idx="minor">
-            <a:schemeClr val="tx1"/>
-          </a:fontRef>
-        </p:style>
-      </p:cxnSp>
-      <p:sp>
-        <p:nvSpPr>
-          <p:cNvPr id="46" name="文本框 45">
-            <a:extLst>
-              <a:ext uri="{FF2B5EF4-FFF2-40B4-BE49-F238E27FC236}">
-                <a16:creationId xmlns:a16="http://schemas.microsoft.com/office/drawing/2014/main" id="{1C5A9D4D-0924-58CD-34A5-749627584D8C}"/>
-              </a:ext>
-            </a:extLst>
-          </p:cNvPr>
-          <p:cNvSpPr txBox="1"/>
-          <p:nvPr/>
-        </p:nvSpPr>
-        <p:spPr>
-          <a:xfrm>
-            <a:off x="1841500" y="4527392"/>
-            <a:ext cx="718457" cy="369332"/>
-          </a:xfrm>
-          <a:prstGeom prst="rect">
-            <a:avLst/>
-          </a:prstGeom>
-          <a:noFill/>
-        </p:spPr>
-        <p:txBody>
-          <a:bodyPr wrap="square" rtlCol="0">
-            <a:spAutoFit/>
-          </a:bodyPr>
-          <a:lstStyle/>
-          <a:p>
-            <a:r>
-              <a:rPr lang="en-US" altLang="zh-CN" b="1" dirty="0"/>
-              <a:t>A</a:t>
-            </a:r>
-            <a:endParaRPr lang="zh-CN" altLang="en-US" b="1" dirty="0"/>
-          </a:p>
-        </p:txBody>
-      </p:sp>
-      <p:sp>
-        <p:nvSpPr>
-          <p:cNvPr id="47" name="文本框 46">
-            <a:extLst>
-              <a:ext uri="{FF2B5EF4-FFF2-40B4-BE49-F238E27FC236}">
-                <a16:creationId xmlns:a16="http://schemas.microsoft.com/office/drawing/2014/main" id="{84ECCA60-1AFC-379D-9CEB-D36A5F8A05C8}"/>
-              </a:ext>
-            </a:extLst>
-          </p:cNvPr>
-          <p:cNvSpPr txBox="1"/>
-          <p:nvPr/>
-        </p:nvSpPr>
-        <p:spPr>
-          <a:xfrm>
-            <a:off x="5972627" y="4527478"/>
-            <a:ext cx="718457" cy="369332"/>
-          </a:xfrm>
-          <a:prstGeom prst="rect">
-            <a:avLst/>
-          </a:prstGeom>
-          <a:noFill/>
-        </p:spPr>
-        <p:txBody>
-          <a:bodyPr wrap="square" rtlCol="0">
-            <a:spAutoFit/>
-          </a:bodyPr>
-          <a:lstStyle/>
-          <a:p>
-            <a:r>
-              <a:rPr lang="en-US" altLang="zh-CN" b="1" dirty="0"/>
-              <a:t>B</a:t>
-            </a:r>
-            <a:endParaRPr lang="zh-CN" altLang="en-US" b="1" dirty="0"/>
-          </a:p>
-        </p:txBody>
-      </p:sp>
-      <p:sp>
-        <p:nvSpPr>
-          <p:cNvPr id="48" name="文本框 47">
-            <a:extLst>
-              <a:ext uri="{FF2B5EF4-FFF2-40B4-BE49-F238E27FC236}">
-                <a16:creationId xmlns:a16="http://schemas.microsoft.com/office/drawing/2014/main" id="{C5058123-D286-9466-28A6-BA4D2B1300E6}"/>
-              </a:ext>
-            </a:extLst>
-          </p:cNvPr>
-          <p:cNvSpPr txBox="1"/>
-          <p:nvPr/>
-        </p:nvSpPr>
-        <p:spPr>
-          <a:xfrm>
-            <a:off x="10276113" y="4527392"/>
-            <a:ext cx="718457" cy="369332"/>
-          </a:xfrm>
-          <a:prstGeom prst="rect">
-            <a:avLst/>
-          </a:prstGeom>
-          <a:noFill/>
-        </p:spPr>
-        <p:txBody>
-          <a:bodyPr wrap="square" rtlCol="0">
-            <a:spAutoFit/>
-          </a:bodyPr>
-          <a:lstStyle/>
-          <a:p>
-            <a:r>
-              <a:rPr lang="en-US" altLang="zh-CN" b="1" dirty="0"/>
-              <a:t>C</a:t>
-            </a:r>
-            <a:endParaRPr lang="zh-CN" altLang="en-US" b="1" dirty="0"/>
-          </a:p>
-        </p:txBody>
-      </p:sp>
-      <p:sp>
-        <p:nvSpPr>
-          <p:cNvPr id="57" name="文本框 56">
-            <a:extLst>
-              <a:ext uri="{FF2B5EF4-FFF2-40B4-BE49-F238E27FC236}">
-                <a16:creationId xmlns:a16="http://schemas.microsoft.com/office/drawing/2014/main" id="{EFAE53C7-4226-790B-198C-2AEB8B31001B}"/>
-              </a:ext>
-            </a:extLst>
-          </p:cNvPr>
-          <p:cNvSpPr txBox="1"/>
-          <p:nvPr/>
-        </p:nvSpPr>
-        <p:spPr>
-          <a:xfrm>
-            <a:off x="1614939" y="387724"/>
-            <a:ext cx="1668915" cy="369332"/>
-          </a:xfrm>
-          <a:prstGeom prst="rect">
-            <a:avLst/>
-          </a:prstGeom>
-          <a:noFill/>
-        </p:spPr>
-        <p:txBody>
-          <a:bodyPr wrap="square" rtlCol="0">
-            <a:spAutoFit/>
-          </a:bodyPr>
-          <a:lstStyle/>
-          <a:p>
-            <a:r>
-              <a:rPr lang="en-US" altLang="zh-CN" b="1" dirty="0"/>
-              <a:t>n = 4</a:t>
-            </a:r>
-            <a:endParaRPr lang="zh-CN" altLang="en-US" b="1" dirty="0"/>
-          </a:p>
-        </p:txBody>
-      </p:sp>
-      <p:sp>
-        <p:nvSpPr>
-          <p:cNvPr id="71" name="文本框 70">
-            <a:extLst>
-              <a:ext uri="{FF2B5EF4-FFF2-40B4-BE49-F238E27FC236}">
-                <a16:creationId xmlns:a16="http://schemas.microsoft.com/office/drawing/2014/main" id="{1E886B6D-455E-7BE4-AA47-4EE4103B919E}"/>
-              </a:ext>
-            </a:extLst>
-          </p:cNvPr>
-          <p:cNvSpPr txBox="1"/>
-          <p:nvPr/>
-        </p:nvSpPr>
-        <p:spPr>
-          <a:xfrm>
-            <a:off x="2559957" y="386397"/>
-            <a:ext cx="11081657" cy="646331"/>
-          </a:xfrm>
-          <a:prstGeom prst="rect">
-            <a:avLst/>
-          </a:prstGeom>
-          <a:noFill/>
-        </p:spPr>
-        <p:txBody>
-          <a:bodyPr wrap="square" rtlCol="0">
-            <a:spAutoFit/>
-          </a:bodyPr>
-          <a:lstStyle/>
-          <a:p>
-            <a:r>
-              <a:rPr lang="en-US" altLang="zh-CN" b="1" dirty="0"/>
-              <a:t>1: A-&gt;C		2: A-&gt;B 		1:C-&gt;B 		3:A-&gt;C</a:t>
-            </a:r>
-          </a:p>
-          <a:p>
-            <a:r>
-              <a:rPr lang="en-US" altLang="zh-CN" b="1" dirty="0"/>
-              <a:t>1: B-&gt;A 		2: B-&gt;C		1:A-&gt;C</a:t>
-            </a:r>
-            <a:endParaRPr lang="zh-CN" altLang="en-US" b="1" dirty="0"/>
+        <p:txBody>
+          <a:bodyPr rtlCol="0" anchor="ctr"/>
+          <a:lstStyle/>
+          <a:p>
+            <a:pPr algn="ctr"/>
+            <a:endParaRPr lang="zh-CN" altLang="en-US" dirty="0"/>
           </a:p>
         </p:txBody>
       </p:sp>
